--- a/IFELL/2_CNN/9_ResNet 구현.pptx
+++ b/IFELL/2_CNN/9_ResNet 구현.pptx
@@ -1,29 +1,36 @@
 
 <file path=ppt/presentation.xml><?xml version="1.0" encoding="utf-8"?>
-<p:presentation xmlns:a="http://schemas.openxmlformats.org/drawingml/2006/main" xmlns:r="http://schemas.openxmlformats.org/officeDocument/2006/relationships" xmlns:mc="http://schemas.openxmlformats.org/markup-compatibility/2006" xmlns:mv="urn:schemas-microsoft-com:mac:vml" xmlns:p="http://schemas.openxmlformats.org/presentationml/2006/main" xmlns:c="http://schemas.openxmlformats.org/drawingml/2006/chart" xmlns:dgm="http://schemas.openxmlformats.org/drawingml/2006/diagram" xmlns:o="urn:schemas-microsoft-com:office:office" xmlns:v="urn:schemas-microsoft-com:vml" xmlns:pvml="urn:schemas-microsoft-com:office:powerpoint" xmlns:com="http://schemas.openxmlformats.org/drawingml/2006/compatibility" xmlns:p14="http://schemas.microsoft.com/office/powerpoint/2010/main" xmlns:p15="http://schemas.microsoft.com/office/powerpoint/2012/main" xmlns:ahyp="http://schemas.microsoft.com/office/drawing/2018/hyperlinkcolor" autoCompressPictures="0" embedTrueTypeFonts="1" strictFirstAndLastChars="0" saveSubsetFonts="1">
+<p:presentation xmlns:a="http://schemas.openxmlformats.org/drawingml/2006/main" xmlns:r="http://schemas.openxmlformats.org/officeDocument/2006/relationships" xmlns:p="http://schemas.openxmlformats.org/presentationml/2006/main" strictFirstAndLastChars="0" embedTrueTypeFonts="1" saveSubsetFonts="1" autoCompressPictures="0">
   <p:sldMasterIdLst>
-    <p:sldMasterId id="2147483660" r:id="rId4"/>
+    <p:sldMasterId id="2147483660" r:id="rId1"/>
   </p:sldMasterIdLst>
   <p:notesMasterIdLst>
-    <p:notesMasterId r:id="rId5"/>
+    <p:notesMasterId r:id="rId4"/>
   </p:notesMasterIdLst>
   <p:sldIdLst>
-    <p:sldId id="256" r:id="rId6"/>
-    <p:sldId id="257" r:id="rId7"/>
+    <p:sldId id="256" r:id="rId2"/>
+    <p:sldId id="257" r:id="rId3"/>
   </p:sldIdLst>
-  <p:sldSz cy="5143500" cx="9144000"/>
+  <p:sldSz cx="9144000" cy="5143500" type="screen16x9"/>
   <p:notesSz cx="6858000" cy="9144000"/>
   <p:embeddedFontLst>
     <p:embeddedFont>
-      <p:font typeface="Helvetica Neue Light"/>
-      <p:regular r:id="rId8"/>
-      <p:bold r:id="rId9"/>
-      <p:italic r:id="rId10"/>
-      <p:boldItalic r:id="rId11"/>
+      <p:font typeface="Helvetica Neue Light" panose="020B0600000101010101" charset="0"/>
+      <p:regular r:id="rId5"/>
+      <p:bold r:id="rId6"/>
+      <p:italic r:id="rId7"/>
+      <p:boldItalic r:id="rId8"/>
+    </p:embeddedFont>
+    <p:embeddedFont>
+      <p:font typeface="Verdana" panose="020B0604030504040204" pitchFamily="34" charset="0"/>
+      <p:regular r:id="rId9"/>
+      <p:bold r:id="rId10"/>
+      <p:italic r:id="rId11"/>
+      <p:boldItalic r:id="rId12"/>
     </p:embeddedFont>
   </p:embeddedFontLst>
   <p:defaultTextStyle>
-    <a:defPPr lvl="0" marR="0" rtl="0" algn="l">
+    <a:defPPr marR="0" lvl="0" algn="l" rtl="0">
       <a:lnSpc>
         <a:spcPct val="100000"/>
       </a:lnSpc>
@@ -34,7 +41,7 @@
         <a:spcPts val="0"/>
       </a:spcAft>
     </a:defPPr>
-    <a:lvl1pPr lvl="0" marR="0" rtl="0" algn="l">
+    <a:lvl1pPr marR="0" lvl="0" algn="l" rtl="0">
       <a:lnSpc>
         <a:spcPct val="100000"/>
       </a:lnSpc>
@@ -48,7 +55,7 @@
         <a:srgbClr val="000000"/>
       </a:buClr>
       <a:buFont typeface="Arial"/>
-      <a:defRPr b="0" i="0" sz="1400" u="none" cap="none" strike="noStrike">
+      <a:defRPr sz="1400" b="0" i="0" u="none" strike="noStrike" cap="none">
         <a:solidFill>
           <a:srgbClr val="000000"/>
         </a:solidFill>
@@ -58,7 +65,7 @@
         <a:sym typeface="Arial"/>
       </a:defRPr>
     </a:lvl1pPr>
-    <a:lvl2pPr lvl="1" marR="0" rtl="0" algn="l">
+    <a:lvl2pPr marR="0" lvl="1" algn="l" rtl="0">
       <a:lnSpc>
         <a:spcPct val="100000"/>
       </a:lnSpc>
@@ -72,7 +79,7 @@
         <a:srgbClr val="000000"/>
       </a:buClr>
       <a:buFont typeface="Arial"/>
-      <a:defRPr b="0" i="0" sz="1400" u="none" cap="none" strike="noStrike">
+      <a:defRPr sz="1400" b="0" i="0" u="none" strike="noStrike" cap="none">
         <a:solidFill>
           <a:srgbClr val="000000"/>
         </a:solidFill>
@@ -82,7 +89,7 @@
         <a:sym typeface="Arial"/>
       </a:defRPr>
     </a:lvl2pPr>
-    <a:lvl3pPr lvl="2" marR="0" rtl="0" algn="l">
+    <a:lvl3pPr marR="0" lvl="2" algn="l" rtl="0">
       <a:lnSpc>
         <a:spcPct val="100000"/>
       </a:lnSpc>
@@ -96,7 +103,7 @@
         <a:srgbClr val="000000"/>
       </a:buClr>
       <a:buFont typeface="Arial"/>
-      <a:defRPr b="0" i="0" sz="1400" u="none" cap="none" strike="noStrike">
+      <a:defRPr sz="1400" b="0" i="0" u="none" strike="noStrike" cap="none">
         <a:solidFill>
           <a:srgbClr val="000000"/>
         </a:solidFill>
@@ -106,7 +113,7 @@
         <a:sym typeface="Arial"/>
       </a:defRPr>
     </a:lvl3pPr>
-    <a:lvl4pPr lvl="3" marR="0" rtl="0" algn="l">
+    <a:lvl4pPr marR="0" lvl="3" algn="l" rtl="0">
       <a:lnSpc>
         <a:spcPct val="100000"/>
       </a:lnSpc>
@@ -120,7 +127,7 @@
         <a:srgbClr val="000000"/>
       </a:buClr>
       <a:buFont typeface="Arial"/>
-      <a:defRPr b="0" i="0" sz="1400" u="none" cap="none" strike="noStrike">
+      <a:defRPr sz="1400" b="0" i="0" u="none" strike="noStrike" cap="none">
         <a:solidFill>
           <a:srgbClr val="000000"/>
         </a:solidFill>
@@ -130,7 +137,7 @@
         <a:sym typeface="Arial"/>
       </a:defRPr>
     </a:lvl4pPr>
-    <a:lvl5pPr lvl="4" marR="0" rtl="0" algn="l">
+    <a:lvl5pPr marR="0" lvl="4" algn="l" rtl="0">
       <a:lnSpc>
         <a:spcPct val="100000"/>
       </a:lnSpc>
@@ -144,7 +151,7 @@
         <a:srgbClr val="000000"/>
       </a:buClr>
       <a:buFont typeface="Arial"/>
-      <a:defRPr b="0" i="0" sz="1400" u="none" cap="none" strike="noStrike">
+      <a:defRPr sz="1400" b="0" i="0" u="none" strike="noStrike" cap="none">
         <a:solidFill>
           <a:srgbClr val="000000"/>
         </a:solidFill>
@@ -154,7 +161,7 @@
         <a:sym typeface="Arial"/>
       </a:defRPr>
     </a:lvl5pPr>
-    <a:lvl6pPr lvl="5" marR="0" rtl="0" algn="l">
+    <a:lvl6pPr marR="0" lvl="5" algn="l" rtl="0">
       <a:lnSpc>
         <a:spcPct val="100000"/>
       </a:lnSpc>
@@ -168,7 +175,7 @@
         <a:srgbClr val="000000"/>
       </a:buClr>
       <a:buFont typeface="Arial"/>
-      <a:defRPr b="0" i="0" sz="1400" u="none" cap="none" strike="noStrike">
+      <a:defRPr sz="1400" b="0" i="0" u="none" strike="noStrike" cap="none">
         <a:solidFill>
           <a:srgbClr val="000000"/>
         </a:solidFill>
@@ -178,7 +185,7 @@
         <a:sym typeface="Arial"/>
       </a:defRPr>
     </a:lvl6pPr>
-    <a:lvl7pPr lvl="6" marR="0" rtl="0" algn="l">
+    <a:lvl7pPr marR="0" lvl="6" algn="l" rtl="0">
       <a:lnSpc>
         <a:spcPct val="100000"/>
       </a:lnSpc>
@@ -192,7 +199,7 @@
         <a:srgbClr val="000000"/>
       </a:buClr>
       <a:buFont typeface="Arial"/>
-      <a:defRPr b="0" i="0" sz="1400" u="none" cap="none" strike="noStrike">
+      <a:defRPr sz="1400" b="0" i="0" u="none" strike="noStrike" cap="none">
         <a:solidFill>
           <a:srgbClr val="000000"/>
         </a:solidFill>
@@ -202,7 +209,7 @@
         <a:sym typeface="Arial"/>
       </a:defRPr>
     </a:lvl7pPr>
-    <a:lvl8pPr lvl="7" marR="0" rtl="0" algn="l">
+    <a:lvl8pPr marR="0" lvl="7" algn="l" rtl="0">
       <a:lnSpc>
         <a:spcPct val="100000"/>
       </a:lnSpc>
@@ -216,7 +223,7 @@
         <a:srgbClr val="000000"/>
       </a:buClr>
       <a:buFont typeface="Arial"/>
-      <a:defRPr b="0" i="0" sz="1400" u="none" cap="none" strike="noStrike">
+      <a:defRPr sz="1400" b="0" i="0" u="none" strike="noStrike" cap="none">
         <a:solidFill>
           <a:srgbClr val="000000"/>
         </a:solidFill>
@@ -226,7 +233,7 @@
         <a:sym typeface="Arial"/>
       </a:defRPr>
     </a:lvl8pPr>
-    <a:lvl9pPr lvl="8" marR="0" rtl="0" algn="l">
+    <a:lvl9pPr marR="0" lvl="8" algn="l" rtl="0">
       <a:lnSpc>
         <a:spcPct val="100000"/>
       </a:lnSpc>
@@ -240,7 +247,7 @@
         <a:srgbClr val="000000"/>
       </a:buClr>
       <a:buFont typeface="Arial"/>
-      <a:defRPr b="0" i="0" sz="1400" u="none" cap="none" strike="noStrike">
+      <a:defRPr sz="1400" b="0" i="0" u="none" strike="noStrike" cap="none">
         <a:solidFill>
           <a:srgbClr val="000000"/>
         </a:solidFill>
@@ -253,7 +260,7 @@
   </p:defaultTextStyle>
   <p:extLst>
     <p:ext uri="{EFAFB233-063F-42B5-8137-9DF3F51BA10A}">
-      <p15:sldGuideLst>
+      <p15:sldGuideLst xmlns:p15="http://schemas.microsoft.com/office/powerpoint/2012/main">
         <p15:guide id="1" orient="horz" pos="1620">
           <p15:clr>
             <a:srgbClr val="A4A3A4"/>
@@ -271,11 +278,16 @@
 </file>
 
 <file path=ppt/notesMasters/notesMaster1.xml><?xml version="1.0" encoding="utf-8"?>
-<p:notesMaster xmlns:a="http://schemas.openxmlformats.org/drawingml/2006/main" xmlns:r="http://schemas.openxmlformats.org/officeDocument/2006/relationships" xmlns:mc="http://schemas.openxmlformats.org/markup-compatibility/2006" xmlns:mv="urn:schemas-microsoft-com:mac:vml" xmlns:p="http://schemas.openxmlformats.org/presentationml/2006/main" xmlns:c="http://schemas.openxmlformats.org/drawingml/2006/chart" xmlns:dgm="http://schemas.openxmlformats.org/drawingml/2006/diagram" xmlns:o="urn:schemas-microsoft-com:office:office" xmlns:v="urn:schemas-microsoft-com:vml" xmlns:pvml="urn:schemas-microsoft-com:office:powerpoint" xmlns:com="http://schemas.openxmlformats.org/drawingml/2006/compatibility" xmlns:p14="http://schemas.microsoft.com/office/powerpoint/2010/main" xmlns:p15="http://schemas.microsoft.com/office/powerpoint/2012/main" xmlns:ahyp="http://schemas.microsoft.com/office/drawing/2018/hyperlinkcolor">
+<p:notesMaster xmlns:a="http://schemas.openxmlformats.org/drawingml/2006/main" xmlns:r="http://schemas.openxmlformats.org/officeDocument/2006/relationships" xmlns:p="http://schemas.openxmlformats.org/presentationml/2006/main">
   <p:cSld>
+    <p:bg>
+      <p:bgRef idx="1001">
+        <a:schemeClr val="bg1"/>
+      </p:bgRef>
+    </p:bg>
     <p:spTree>
       <p:nvGrpSpPr>
-        <p:cNvPr id="2" name="Shape 2"/>
+        <p:cNvPr id="1" name="Shape 2"/>
         <p:cNvGrpSpPr/>
         <p:nvPr/>
       </p:nvGrpSpPr>
@@ -290,9 +302,11 @@
       <p:sp>
         <p:nvSpPr>
           <p:cNvPr id="3" name="Google Shape;3;n"/>
-          <p:cNvSpPr/>
+          <p:cNvSpPr>
+            <a:spLocks noGrp="1" noRot="1" noChangeAspect="1"/>
+          </p:cNvSpPr>
           <p:nvPr>
-            <p:ph idx="2" type="sldImg"/>
+            <p:ph type="sldImg" idx="2"/>
           </p:nvPr>
         </p:nvSpPr>
         <p:spPr>
@@ -301,9 +315,13 @@
             <a:ext cx="6096075" cy="3429000"/>
           </a:xfrm>
           <a:custGeom>
-            <a:rect b="b" l="l" r="r" t="t"/>
+            <a:avLst/>
+            <a:gdLst/>
+            <a:ahLst/>
+            <a:cxnLst/>
+            <a:rect l="l" t="t" r="r" b="b"/>
             <a:pathLst>
-              <a:path extrusionOk="0" h="120000" w="120000">
+              <a:path w="120000" h="120000" extrusionOk="0">
                 <a:moveTo>
                   <a:pt x="0" y="0"/>
                 </a:moveTo>
@@ -321,23 +339,25 @@
             </a:pathLst>
           </a:custGeom>
           <a:noFill/>
-          <a:ln cap="flat" cmpd="sng" w="9525">
+          <a:ln w="9525" cap="flat" cmpd="sng">
             <a:solidFill>
               <a:srgbClr val="000000"/>
             </a:solidFill>
             <a:prstDash val="solid"/>
             <a:round/>
-            <a:headEnd len="sm" w="sm" type="none"/>
-            <a:tailEnd len="sm" w="sm" type="none"/>
+            <a:headEnd type="none" w="sm" len="sm"/>
+            <a:tailEnd type="none" w="sm" len="sm"/>
           </a:ln>
         </p:spPr>
       </p:sp>
       <p:sp>
         <p:nvSpPr>
           <p:cNvPr id="4" name="Google Shape;4;n"/>
-          <p:cNvSpPr txBox="1"/>
+          <p:cNvSpPr txBox="1">
+            <a:spLocks noGrp="1"/>
+          </p:cNvSpPr>
           <p:nvPr>
-            <p:ph idx="1" type="body"/>
+            <p:ph type="body" idx="1"/>
           </p:nvPr>
         </p:nvSpPr>
         <p:spPr>
@@ -354,11 +374,11 @@
           </a:ln>
         </p:spPr>
         <p:txBody>
-          <a:bodyPr anchorCtr="0" anchor="t" bIns="91425" lIns="91425" spcFirstLastPara="1" rIns="91425" wrap="square" tIns="91425">
+          <a:bodyPr spcFirstLastPara="1" wrap="square" lIns="91425" tIns="91425" rIns="91425" bIns="91425" anchor="t" anchorCtr="0">
             <a:noAutofit/>
           </a:bodyPr>
           <a:lstStyle>
-            <a:lvl1pPr indent="-298450" lvl="0" marL="457200">
+            <a:lvl1pPr marL="457200" lvl="0" indent="-298450">
               <a:spcBef>
                 <a:spcPts val="0"/>
               </a:spcBef>
@@ -369,7 +389,7 @@
               <a:buChar char="●"/>
               <a:defRPr sz="1100"/>
             </a:lvl1pPr>
-            <a:lvl2pPr indent="-298450" lvl="1" marL="914400">
+            <a:lvl2pPr marL="914400" lvl="1" indent="-298450">
               <a:spcBef>
                 <a:spcPts val="0"/>
               </a:spcBef>
@@ -380,7 +400,7 @@
               <a:buChar char="○"/>
               <a:defRPr sz="1100"/>
             </a:lvl2pPr>
-            <a:lvl3pPr indent="-298450" lvl="2" marL="1371600">
+            <a:lvl3pPr marL="1371600" lvl="2" indent="-298450">
               <a:spcBef>
                 <a:spcPts val="0"/>
               </a:spcBef>
@@ -391,7 +411,7 @@
               <a:buChar char="■"/>
               <a:defRPr sz="1100"/>
             </a:lvl3pPr>
-            <a:lvl4pPr indent="-298450" lvl="3" marL="1828800">
+            <a:lvl4pPr marL="1828800" lvl="3" indent="-298450">
               <a:spcBef>
                 <a:spcPts val="0"/>
               </a:spcBef>
@@ -402,7 +422,7 @@
               <a:buChar char="●"/>
               <a:defRPr sz="1100"/>
             </a:lvl4pPr>
-            <a:lvl5pPr indent="-298450" lvl="4" marL="2286000">
+            <a:lvl5pPr marL="2286000" lvl="4" indent="-298450">
               <a:spcBef>
                 <a:spcPts val="0"/>
               </a:spcBef>
@@ -413,7 +433,7 @@
               <a:buChar char="○"/>
               <a:defRPr sz="1100"/>
             </a:lvl5pPr>
-            <a:lvl6pPr indent="-298450" lvl="5" marL="2743200">
+            <a:lvl6pPr marL="2743200" lvl="5" indent="-298450">
               <a:spcBef>
                 <a:spcPts val="0"/>
               </a:spcBef>
@@ -424,7 +444,7 @@
               <a:buChar char="■"/>
               <a:defRPr sz="1100"/>
             </a:lvl6pPr>
-            <a:lvl7pPr indent="-298450" lvl="6" marL="3200400">
+            <a:lvl7pPr marL="3200400" lvl="6" indent="-298450">
               <a:spcBef>
                 <a:spcPts val="0"/>
               </a:spcBef>
@@ -435,7 +455,7 @@
               <a:buChar char="●"/>
               <a:defRPr sz="1100"/>
             </a:lvl7pPr>
-            <a:lvl8pPr indent="-298450" lvl="7" marL="3657600">
+            <a:lvl8pPr marL="3657600" lvl="7" indent="-298450">
               <a:spcBef>
                 <a:spcPts val="0"/>
               </a:spcBef>
@@ -446,7 +466,7 @@
               <a:buChar char="○"/>
               <a:defRPr sz="1100"/>
             </a:lvl8pPr>
-            <a:lvl9pPr indent="-298450" lvl="8" marL="4114800">
+            <a:lvl9pPr marL="4114800" lvl="8" indent="-298450">
               <a:spcBef>
                 <a:spcPts val="0"/>
               </a:spcBef>
@@ -458,14 +478,16 @@
               <a:defRPr sz="1100"/>
             </a:lvl9pPr>
           </a:lstStyle>
-          <a:p/>
+          <a:p>
+            <a:endParaRPr/>
+          </a:p>
         </p:txBody>
       </p:sp>
     </p:spTree>
   </p:cSld>
-  <p:clrMap accent1="accent1" accent2="accent2" accent3="accent3" accent4="accent4" accent5="accent5" accent6="accent6" bg1="lt1" bg2="dk2" tx1="dk1" tx2="lt2" folHlink="folHlink" hlink="hlink"/>
+  <p:clrMap bg1="lt1" tx1="dk1" bg2="dk2" tx2="lt2" accent1="accent1" accent2="accent2" accent3="accent3" accent4="accent4" accent5="accent5" accent6="accent6" hlink="hlink" folHlink="folHlink"/>
   <p:notesStyle>
-    <a:defPPr lvl="0" marR="0" rtl="0" algn="l">
+    <a:defPPr marR="0" lvl="0" algn="l" rtl="0">
       <a:lnSpc>
         <a:spcPct val="100000"/>
       </a:lnSpc>
@@ -476,7 +498,7 @@
         <a:spcPts val="0"/>
       </a:spcAft>
     </a:defPPr>
-    <a:lvl1pPr lvl="0" marR="0" rtl="0" algn="l">
+    <a:lvl1pPr marR="0" lvl="0" algn="l" rtl="0">
       <a:lnSpc>
         <a:spcPct val="100000"/>
       </a:lnSpc>
@@ -490,7 +512,7 @@
         <a:srgbClr val="000000"/>
       </a:buClr>
       <a:buFont typeface="Arial"/>
-      <a:defRPr b="0" i="0" sz="1400" u="none" cap="none" strike="noStrike">
+      <a:defRPr sz="1400" b="0" i="0" u="none" strike="noStrike" cap="none">
         <a:solidFill>
           <a:srgbClr val="000000"/>
         </a:solidFill>
@@ -500,7 +522,7 @@
         <a:sym typeface="Arial"/>
       </a:defRPr>
     </a:lvl1pPr>
-    <a:lvl2pPr lvl="1" marR="0" rtl="0" algn="l">
+    <a:lvl2pPr marR="0" lvl="1" algn="l" rtl="0">
       <a:lnSpc>
         <a:spcPct val="100000"/>
       </a:lnSpc>
@@ -514,7 +536,7 @@
         <a:srgbClr val="000000"/>
       </a:buClr>
       <a:buFont typeface="Arial"/>
-      <a:defRPr b="0" i="0" sz="1400" u="none" cap="none" strike="noStrike">
+      <a:defRPr sz="1400" b="0" i="0" u="none" strike="noStrike" cap="none">
         <a:solidFill>
           <a:srgbClr val="000000"/>
         </a:solidFill>
@@ -524,7 +546,7 @@
         <a:sym typeface="Arial"/>
       </a:defRPr>
     </a:lvl2pPr>
-    <a:lvl3pPr lvl="2" marR="0" rtl="0" algn="l">
+    <a:lvl3pPr marR="0" lvl="2" algn="l" rtl="0">
       <a:lnSpc>
         <a:spcPct val="100000"/>
       </a:lnSpc>
@@ -538,7 +560,7 @@
         <a:srgbClr val="000000"/>
       </a:buClr>
       <a:buFont typeface="Arial"/>
-      <a:defRPr b="0" i="0" sz="1400" u="none" cap="none" strike="noStrike">
+      <a:defRPr sz="1400" b="0" i="0" u="none" strike="noStrike" cap="none">
         <a:solidFill>
           <a:srgbClr val="000000"/>
         </a:solidFill>
@@ -548,7 +570,7 @@
         <a:sym typeface="Arial"/>
       </a:defRPr>
     </a:lvl3pPr>
-    <a:lvl4pPr lvl="3" marR="0" rtl="0" algn="l">
+    <a:lvl4pPr marR="0" lvl="3" algn="l" rtl="0">
       <a:lnSpc>
         <a:spcPct val="100000"/>
       </a:lnSpc>
@@ -562,7 +584,7 @@
         <a:srgbClr val="000000"/>
       </a:buClr>
       <a:buFont typeface="Arial"/>
-      <a:defRPr b="0" i="0" sz="1400" u="none" cap="none" strike="noStrike">
+      <a:defRPr sz="1400" b="0" i="0" u="none" strike="noStrike" cap="none">
         <a:solidFill>
           <a:srgbClr val="000000"/>
         </a:solidFill>
@@ -572,7 +594,7 @@
         <a:sym typeface="Arial"/>
       </a:defRPr>
     </a:lvl4pPr>
-    <a:lvl5pPr lvl="4" marR="0" rtl="0" algn="l">
+    <a:lvl5pPr marR="0" lvl="4" algn="l" rtl="0">
       <a:lnSpc>
         <a:spcPct val="100000"/>
       </a:lnSpc>
@@ -586,7 +608,7 @@
         <a:srgbClr val="000000"/>
       </a:buClr>
       <a:buFont typeface="Arial"/>
-      <a:defRPr b="0" i="0" sz="1400" u="none" cap="none" strike="noStrike">
+      <a:defRPr sz="1400" b="0" i="0" u="none" strike="noStrike" cap="none">
         <a:solidFill>
           <a:srgbClr val="000000"/>
         </a:solidFill>
@@ -596,7 +618,7 @@
         <a:sym typeface="Arial"/>
       </a:defRPr>
     </a:lvl5pPr>
-    <a:lvl6pPr lvl="5" marR="0" rtl="0" algn="l">
+    <a:lvl6pPr marR="0" lvl="5" algn="l" rtl="0">
       <a:lnSpc>
         <a:spcPct val="100000"/>
       </a:lnSpc>
@@ -610,7 +632,7 @@
         <a:srgbClr val="000000"/>
       </a:buClr>
       <a:buFont typeface="Arial"/>
-      <a:defRPr b="0" i="0" sz="1400" u="none" cap="none" strike="noStrike">
+      <a:defRPr sz="1400" b="0" i="0" u="none" strike="noStrike" cap="none">
         <a:solidFill>
           <a:srgbClr val="000000"/>
         </a:solidFill>
@@ -620,7 +642,7 @@
         <a:sym typeface="Arial"/>
       </a:defRPr>
     </a:lvl6pPr>
-    <a:lvl7pPr lvl="6" marR="0" rtl="0" algn="l">
+    <a:lvl7pPr marR="0" lvl="6" algn="l" rtl="0">
       <a:lnSpc>
         <a:spcPct val="100000"/>
       </a:lnSpc>
@@ -634,7 +656,7 @@
         <a:srgbClr val="000000"/>
       </a:buClr>
       <a:buFont typeface="Arial"/>
-      <a:defRPr b="0" i="0" sz="1400" u="none" cap="none" strike="noStrike">
+      <a:defRPr sz="1400" b="0" i="0" u="none" strike="noStrike" cap="none">
         <a:solidFill>
           <a:srgbClr val="000000"/>
         </a:solidFill>
@@ -644,7 +666,7 @@
         <a:sym typeface="Arial"/>
       </a:defRPr>
     </a:lvl7pPr>
-    <a:lvl8pPr lvl="7" marR="0" rtl="0" algn="l">
+    <a:lvl8pPr marR="0" lvl="7" algn="l" rtl="0">
       <a:lnSpc>
         <a:spcPct val="100000"/>
       </a:lnSpc>
@@ -658,7 +680,7 @@
         <a:srgbClr val="000000"/>
       </a:buClr>
       <a:buFont typeface="Arial"/>
-      <a:defRPr b="0" i="0" sz="1400" u="none" cap="none" strike="noStrike">
+      <a:defRPr sz="1400" b="0" i="0" u="none" strike="noStrike" cap="none">
         <a:solidFill>
           <a:srgbClr val="000000"/>
         </a:solidFill>
@@ -668,7 +690,7 @@
         <a:sym typeface="Arial"/>
       </a:defRPr>
     </a:lvl8pPr>
-    <a:lvl9pPr lvl="8" marR="0" rtl="0" algn="l">
+    <a:lvl9pPr marR="0" lvl="8" algn="l" rtl="0">
       <a:lnSpc>
         <a:spcPct val="100000"/>
       </a:lnSpc>
@@ -682,7 +704,7 @@
         <a:srgbClr val="000000"/>
       </a:buClr>
       <a:buFont typeface="Arial"/>
-      <a:defRPr b="0" i="0" sz="1400" u="none" cap="none" strike="noStrike">
+      <a:defRPr sz="1400" b="0" i="0" u="none" strike="noStrike" cap="none">
         <a:solidFill>
           <a:srgbClr val="000000"/>
         </a:solidFill>
@@ -697,11 +719,11 @@
 </file>
 
 <file path=ppt/notesSlides/notesSlide1.xml><?xml version="1.0" encoding="utf-8"?>
-<p:notes xmlns:a="http://schemas.openxmlformats.org/drawingml/2006/main" xmlns:r="http://schemas.openxmlformats.org/officeDocument/2006/relationships" xmlns:mc="http://schemas.openxmlformats.org/markup-compatibility/2006" xmlns:mv="urn:schemas-microsoft-com:mac:vml" xmlns:p="http://schemas.openxmlformats.org/presentationml/2006/main" xmlns:c="http://schemas.openxmlformats.org/drawingml/2006/chart" xmlns:dgm="http://schemas.openxmlformats.org/drawingml/2006/diagram" xmlns:o="urn:schemas-microsoft-com:office:office" xmlns:v="urn:schemas-microsoft-com:vml" xmlns:pvml="urn:schemas-microsoft-com:office:powerpoint" xmlns:com="http://schemas.openxmlformats.org/drawingml/2006/compatibility" xmlns:p14="http://schemas.microsoft.com/office/powerpoint/2010/main" xmlns:p15="http://schemas.microsoft.com/office/powerpoint/2012/main" xmlns:ahyp="http://schemas.microsoft.com/office/drawing/2018/hyperlinkcolor" showMasterPhAnim="0" showMasterSp="0">
+<p:notes xmlns:a="http://schemas.openxmlformats.org/drawingml/2006/main" xmlns:r="http://schemas.openxmlformats.org/officeDocument/2006/relationships" xmlns:p="http://schemas.openxmlformats.org/presentationml/2006/main" showMasterSp="0" showMasterPhAnim="0">
   <p:cSld>
     <p:spTree>
       <p:nvGrpSpPr>
-        <p:cNvPr id="53" name="Shape 53"/>
+        <p:cNvPr id="1" name="Shape 53"/>
         <p:cNvGrpSpPr/>
         <p:nvPr/>
       </p:nvGrpSpPr>
@@ -716,20 +738,26 @@
       <p:sp>
         <p:nvSpPr>
           <p:cNvPr id="54" name="Google Shape;54;p:notes"/>
-          <p:cNvSpPr/>
+          <p:cNvSpPr>
+            <a:spLocks noGrp="1" noRot="1" noChangeAspect="1"/>
+          </p:cNvSpPr>
           <p:nvPr>
-            <p:ph idx="2" type="sldImg"/>
+            <p:ph type="sldImg" idx="2"/>
           </p:nvPr>
         </p:nvSpPr>
         <p:spPr>
           <a:xfrm>
-            <a:off x="381300" y="685800"/>
-            <a:ext cx="6096075" cy="3429000"/>
+            <a:off x="381000" y="685800"/>
+            <a:ext cx="6096000" cy="3429000"/>
           </a:xfrm>
           <a:custGeom>
-            <a:rect b="b" l="l" r="r" t="t"/>
+            <a:avLst/>
+            <a:gdLst/>
+            <a:ahLst/>
+            <a:cxnLst/>
+            <a:rect l="l" t="t" r="r" b="b"/>
             <a:pathLst>
-              <a:path extrusionOk="0" h="120000" w="120000">
+              <a:path w="120000" h="120000" extrusionOk="0">
                 <a:moveTo>
                   <a:pt x="0" y="0"/>
                 </a:moveTo>
@@ -751,9 +779,11 @@
       <p:sp>
         <p:nvSpPr>
           <p:cNvPr id="55" name="Google Shape;55;p:notes"/>
-          <p:cNvSpPr txBox="1"/>
+          <p:cNvSpPr txBox="1">
+            <a:spLocks noGrp="1"/>
+          </p:cNvSpPr>
           <p:nvPr>
-            <p:ph idx="1" type="body"/>
+            <p:ph type="body" idx="1"/>
           </p:nvPr>
         </p:nvSpPr>
         <p:spPr>
@@ -766,12 +796,12 @@
           </a:prstGeom>
         </p:spPr>
         <p:txBody>
-          <a:bodyPr anchorCtr="0" anchor="t" bIns="91425" lIns="91425" spcFirstLastPara="1" rIns="91425" wrap="square" tIns="91425">
+          <a:bodyPr spcFirstLastPara="1" wrap="square" lIns="91425" tIns="91425" rIns="91425" bIns="91425" anchor="t" anchorCtr="0">
             <a:noAutofit/>
           </a:bodyPr>
           <a:lstStyle/>
           <a:p>
-            <a:pPr indent="0" lvl="0" marL="0" rtl="0" algn="l">
+            <a:pPr marL="0" lvl="0" indent="0" algn="l" rtl="0">
               <a:spcBef>
                 <a:spcPts val="0"/>
               </a:spcBef>
@@ -780,9 +810,6 @@
               </a:spcAft>
               <a:buNone/>
             </a:pPr>
-            <a:r>
-              <a:t/>
-            </a:r>
             <a:endParaRPr/>
           </a:p>
         </p:txBody>
@@ -796,11 +823,11 @@
 </file>
 
 <file path=ppt/notesSlides/notesSlide2.xml><?xml version="1.0" encoding="utf-8"?>
-<p:notes xmlns:a="http://schemas.openxmlformats.org/drawingml/2006/main" xmlns:r="http://schemas.openxmlformats.org/officeDocument/2006/relationships" xmlns:mc="http://schemas.openxmlformats.org/markup-compatibility/2006" xmlns:mv="urn:schemas-microsoft-com:mac:vml" xmlns:p="http://schemas.openxmlformats.org/presentationml/2006/main" xmlns:c="http://schemas.openxmlformats.org/drawingml/2006/chart" xmlns:dgm="http://schemas.openxmlformats.org/drawingml/2006/diagram" xmlns:o="urn:schemas-microsoft-com:office:office" xmlns:v="urn:schemas-microsoft-com:vml" xmlns:pvml="urn:schemas-microsoft-com:office:powerpoint" xmlns:com="http://schemas.openxmlformats.org/drawingml/2006/compatibility" xmlns:p14="http://schemas.microsoft.com/office/powerpoint/2010/main" xmlns:p15="http://schemas.microsoft.com/office/powerpoint/2012/main" xmlns:ahyp="http://schemas.microsoft.com/office/drawing/2018/hyperlinkcolor" showMasterPhAnim="0" showMasterSp="0">
+<p:notes xmlns:a="http://schemas.openxmlformats.org/drawingml/2006/main" xmlns:r="http://schemas.openxmlformats.org/officeDocument/2006/relationships" xmlns:p="http://schemas.openxmlformats.org/presentationml/2006/main" showMasterSp="0" showMasterPhAnim="0">
   <p:cSld>
     <p:spTree>
       <p:nvGrpSpPr>
-        <p:cNvPr id="60" name="Shape 60"/>
+        <p:cNvPr id="1" name="Shape 60"/>
         <p:cNvGrpSpPr/>
         <p:nvPr/>
       </p:nvGrpSpPr>
@@ -815,9 +842,11 @@
       <p:sp>
         <p:nvSpPr>
           <p:cNvPr id="61" name="Google Shape;61;g8e42045dd5_0_0:notes"/>
-          <p:cNvSpPr/>
+          <p:cNvSpPr>
+            <a:spLocks noGrp="1" noRot="1" noChangeAspect="1"/>
+          </p:cNvSpPr>
           <p:nvPr>
-            <p:ph idx="2" type="sldImg"/>
+            <p:ph type="sldImg" idx="2"/>
           </p:nvPr>
         </p:nvSpPr>
         <p:spPr>
@@ -826,9 +855,13 @@
             <a:ext cx="6096000" cy="3429000"/>
           </a:xfrm>
           <a:custGeom>
-            <a:rect b="b" l="l" r="r" t="t"/>
+            <a:avLst/>
+            <a:gdLst/>
+            <a:ahLst/>
+            <a:cxnLst/>
+            <a:rect l="l" t="t" r="r" b="b"/>
             <a:pathLst>
-              <a:path extrusionOk="0" h="120000" w="120000">
+              <a:path w="120000" h="120000" extrusionOk="0">
                 <a:moveTo>
                   <a:pt x="0" y="0"/>
                 </a:moveTo>
@@ -850,9 +883,11 @@
       <p:sp>
         <p:nvSpPr>
           <p:cNvPr id="62" name="Google Shape;62;g8e42045dd5_0_0:notes"/>
-          <p:cNvSpPr txBox="1"/>
+          <p:cNvSpPr txBox="1">
+            <a:spLocks noGrp="1"/>
+          </p:cNvSpPr>
           <p:nvPr>
-            <p:ph idx="1" type="body"/>
+            <p:ph type="body" idx="1"/>
           </p:nvPr>
         </p:nvSpPr>
         <p:spPr>
@@ -865,12 +900,12 @@
           </a:prstGeom>
         </p:spPr>
         <p:txBody>
-          <a:bodyPr anchorCtr="0" anchor="t" bIns="91425" lIns="91425" spcFirstLastPara="1" rIns="91425" wrap="square" tIns="91425">
+          <a:bodyPr spcFirstLastPara="1" wrap="square" lIns="91425" tIns="91425" rIns="91425" bIns="91425" anchor="t" anchorCtr="0">
             <a:noAutofit/>
           </a:bodyPr>
           <a:lstStyle/>
           <a:p>
-            <a:pPr indent="0" lvl="0" marL="0" rtl="0" algn="l">
+            <a:pPr marL="0" lvl="0" indent="0" algn="l" rtl="0">
               <a:spcBef>
                 <a:spcPts val="0"/>
               </a:spcBef>
@@ -879,9 +914,6 @@
               </a:spcAft>
               <a:buNone/>
             </a:pPr>
-            <a:r>
-              <a:t/>
-            </a:r>
             <a:endParaRPr/>
           </a:p>
         </p:txBody>
@@ -895,11 +927,11 @@
 </file>
 
 <file path=ppt/slideLayouts/slideLayout1.xml><?xml version="1.0" encoding="utf-8"?>
-<p:sldLayout xmlns:a="http://schemas.openxmlformats.org/drawingml/2006/main" xmlns:r="http://schemas.openxmlformats.org/officeDocument/2006/relationships" xmlns:mc="http://schemas.openxmlformats.org/markup-compatibility/2006" xmlns:mv="urn:schemas-microsoft-com:mac:vml" xmlns:p="http://schemas.openxmlformats.org/presentationml/2006/main" xmlns:c="http://schemas.openxmlformats.org/drawingml/2006/chart" xmlns:dgm="http://schemas.openxmlformats.org/drawingml/2006/diagram" xmlns:o="urn:schemas-microsoft-com:office:office" xmlns:v="urn:schemas-microsoft-com:vml" xmlns:pvml="urn:schemas-microsoft-com:office:powerpoint" xmlns:com="http://schemas.openxmlformats.org/drawingml/2006/compatibility" xmlns:p14="http://schemas.microsoft.com/office/powerpoint/2010/main" xmlns:p15="http://schemas.microsoft.com/office/powerpoint/2012/main" xmlns:ahyp="http://schemas.microsoft.com/office/drawing/2018/hyperlinkcolor" matchingName="Title slide" type="title">
+<p:sldLayout xmlns:a="http://schemas.openxmlformats.org/drawingml/2006/main" xmlns:r="http://schemas.openxmlformats.org/officeDocument/2006/relationships" xmlns:p="http://schemas.openxmlformats.org/presentationml/2006/main" matchingName="Title slide" type="title">
   <p:cSld name="TITLE">
     <p:spTree>
       <p:nvGrpSpPr>
-        <p:cNvPr id="9" name="Shape 9"/>
+        <p:cNvPr id="1" name="Shape 9"/>
         <p:cNvGrpSpPr/>
         <p:nvPr/>
       </p:nvGrpSpPr>
@@ -914,7 +946,9 @@
       <p:sp>
         <p:nvSpPr>
           <p:cNvPr id="10" name="Google Shape;10;p2"/>
-          <p:cNvSpPr txBox="1"/>
+          <p:cNvSpPr txBox="1">
+            <a:spLocks noGrp="1"/>
+          </p:cNvSpPr>
           <p:nvPr>
             <p:ph type="ctrTitle"/>
           </p:nvPr>
@@ -929,7 +963,7 @@
           </a:prstGeom>
         </p:spPr>
         <p:txBody>
-          <a:bodyPr anchorCtr="0" anchor="b" bIns="91425" lIns="91425" spcFirstLastPara="1" rIns="91425" wrap="square" tIns="91425">
+          <a:bodyPr spcFirstLastPara="1" wrap="square" lIns="91425" tIns="91425" rIns="91425" bIns="91425" anchor="b" anchorCtr="0">
             <a:noAutofit/>
           </a:bodyPr>
           <a:lstStyle>
@@ -1033,15 +1067,19 @@
               <a:defRPr sz="5200"/>
             </a:lvl9pPr>
           </a:lstStyle>
-          <a:p/>
+          <a:p>
+            <a:endParaRPr/>
+          </a:p>
         </p:txBody>
       </p:sp>
       <p:sp>
         <p:nvSpPr>
           <p:cNvPr id="11" name="Google Shape;11;p2"/>
-          <p:cNvSpPr txBox="1"/>
+          <p:cNvSpPr txBox="1">
+            <a:spLocks noGrp="1"/>
+          </p:cNvSpPr>
           <p:nvPr>
-            <p:ph idx="1" type="subTitle"/>
+            <p:ph type="subTitle" idx="1"/>
           </p:nvPr>
         </p:nvSpPr>
         <p:spPr>
@@ -1054,7 +1092,7 @@
           </a:prstGeom>
         </p:spPr>
         <p:txBody>
-          <a:bodyPr anchorCtr="0" anchor="t" bIns="91425" lIns="91425" spcFirstLastPara="1" rIns="91425" wrap="square" tIns="91425">
+          <a:bodyPr spcFirstLastPara="1" wrap="square" lIns="91425" tIns="91425" rIns="91425" bIns="91425" anchor="t" anchorCtr="0">
             <a:noAutofit/>
           </a:bodyPr>
           <a:lstStyle>
@@ -1185,15 +1223,19 @@
               <a:defRPr sz="2800"/>
             </a:lvl9pPr>
           </a:lstStyle>
-          <a:p/>
+          <a:p>
+            <a:endParaRPr/>
+          </a:p>
         </p:txBody>
       </p:sp>
       <p:sp>
         <p:nvSpPr>
           <p:cNvPr id="12" name="Google Shape;12;p2"/>
-          <p:cNvSpPr txBox="1"/>
+          <p:cNvSpPr txBox="1">
+            <a:spLocks noGrp="1"/>
+          </p:cNvSpPr>
           <p:nvPr>
-            <p:ph idx="12" type="sldNum"/>
+            <p:ph type="sldNum" idx="12"/>
           </p:nvPr>
         </p:nvSpPr>
         <p:spPr>
@@ -1206,7 +1248,7 @@
           </a:prstGeom>
         </p:spPr>
         <p:txBody>
-          <a:bodyPr anchorCtr="0" anchor="ctr" bIns="91425" lIns="91425" spcFirstLastPara="1" rIns="91425" wrap="square" tIns="91425">
+          <a:bodyPr spcFirstLastPara="1" wrap="square" lIns="91425" tIns="91425" rIns="91425" bIns="91425" anchor="ctr" anchorCtr="0">
             <a:noAutofit/>
           </a:bodyPr>
           <a:lstStyle>
@@ -1248,7 +1290,7 @@
             </a:lvl9pPr>
           </a:lstStyle>
           <a:p>
-            <a:pPr indent="0" lvl="0" marL="0" rtl="0" algn="r">
+            <a:pPr marL="0" lvl="0" indent="0" algn="r" rtl="0">
               <a:spcBef>
                 <a:spcPts val="0"/>
               </a:spcBef>
@@ -1274,11 +1316,11 @@
 </file>
 
 <file path=ppt/slideLayouts/slideLayout10.xml><?xml version="1.0" encoding="utf-8"?>
-<p:sldLayout xmlns:a="http://schemas.openxmlformats.org/drawingml/2006/main" xmlns:r="http://schemas.openxmlformats.org/officeDocument/2006/relationships" xmlns:mc="http://schemas.openxmlformats.org/markup-compatibility/2006" xmlns:mv="urn:schemas-microsoft-com:mac:vml" xmlns:p="http://schemas.openxmlformats.org/presentationml/2006/main" xmlns:c="http://schemas.openxmlformats.org/drawingml/2006/chart" xmlns:dgm="http://schemas.openxmlformats.org/drawingml/2006/diagram" xmlns:o="urn:schemas-microsoft-com:office:office" xmlns:v="urn:schemas-microsoft-com:vml" xmlns:pvml="urn:schemas-microsoft-com:office:powerpoint" xmlns:com="http://schemas.openxmlformats.org/drawingml/2006/compatibility" xmlns:p14="http://schemas.microsoft.com/office/powerpoint/2010/main" xmlns:p15="http://schemas.microsoft.com/office/powerpoint/2012/main" xmlns:ahyp="http://schemas.microsoft.com/office/drawing/2018/hyperlinkcolor" matchingName="Big number">
+<p:sldLayout xmlns:a="http://schemas.openxmlformats.org/drawingml/2006/main" xmlns:r="http://schemas.openxmlformats.org/officeDocument/2006/relationships" xmlns:p="http://schemas.openxmlformats.org/presentationml/2006/main" matchingName="Big number">
   <p:cSld name="BIG_NUMBER">
     <p:spTree>
       <p:nvGrpSpPr>
-        <p:cNvPr id="44" name="Shape 44"/>
+        <p:cNvPr id="1" name="Shape 44"/>
         <p:cNvGrpSpPr/>
         <p:nvPr/>
       </p:nvGrpSpPr>
@@ -1293,9 +1335,11 @@
       <p:sp>
         <p:nvSpPr>
           <p:cNvPr id="45" name="Google Shape;45;p11"/>
-          <p:cNvSpPr txBox="1"/>
+          <p:cNvSpPr txBox="1">
+            <a:spLocks noGrp="1"/>
+          </p:cNvSpPr>
           <p:nvPr>
-            <p:ph hasCustomPrompt="1" type="title"/>
+            <p:ph type="title" hasCustomPrompt="1"/>
           </p:nvPr>
         </p:nvSpPr>
         <p:spPr>
@@ -1308,7 +1352,7 @@
           </a:prstGeom>
         </p:spPr>
         <p:txBody>
-          <a:bodyPr anchorCtr="0" anchor="b" bIns="91425" lIns="91425" spcFirstLastPara="1" rIns="91425" wrap="square" tIns="91425">
+          <a:bodyPr spcFirstLastPara="1" wrap="square" lIns="91425" tIns="91425" rIns="91425" bIns="91425" anchor="b" anchorCtr="0">
             <a:noAutofit/>
           </a:bodyPr>
           <a:lstStyle>
@@ -1422,9 +1466,11 @@
       <p:sp>
         <p:nvSpPr>
           <p:cNvPr id="46" name="Google Shape;46;p11"/>
-          <p:cNvSpPr txBox="1"/>
+          <p:cNvSpPr txBox="1">
+            <a:spLocks noGrp="1"/>
+          </p:cNvSpPr>
           <p:nvPr>
-            <p:ph idx="1" type="body"/>
+            <p:ph type="body" idx="1"/>
           </p:nvPr>
         </p:nvSpPr>
         <p:spPr>
@@ -1437,11 +1483,11 @@
           </a:prstGeom>
         </p:spPr>
         <p:txBody>
-          <a:bodyPr anchorCtr="0" anchor="t" bIns="91425" lIns="91425" spcFirstLastPara="1" rIns="91425" wrap="square" tIns="91425">
+          <a:bodyPr spcFirstLastPara="1" wrap="square" lIns="91425" tIns="91425" rIns="91425" bIns="91425" anchor="t" anchorCtr="0">
             <a:noAutofit/>
           </a:bodyPr>
           <a:lstStyle>
-            <a:lvl1pPr indent="-342900" lvl="0" marL="457200" algn="ctr">
+            <a:lvl1pPr marL="457200" lvl="0" indent="-342900" algn="ctr">
               <a:spcBef>
                 <a:spcPts val="0"/>
               </a:spcBef>
@@ -1452,7 +1498,7 @@
               <a:buChar char="●"/>
               <a:defRPr/>
             </a:lvl1pPr>
-            <a:lvl2pPr indent="-317500" lvl="1" marL="914400" algn="ctr">
+            <a:lvl2pPr marL="914400" lvl="1" indent="-317500" algn="ctr">
               <a:spcBef>
                 <a:spcPts val="1600"/>
               </a:spcBef>
@@ -1463,7 +1509,7 @@
               <a:buChar char="○"/>
               <a:defRPr/>
             </a:lvl2pPr>
-            <a:lvl3pPr indent="-317500" lvl="2" marL="1371600" algn="ctr">
+            <a:lvl3pPr marL="1371600" lvl="2" indent="-317500" algn="ctr">
               <a:spcBef>
                 <a:spcPts val="1600"/>
               </a:spcBef>
@@ -1474,7 +1520,7 @@
               <a:buChar char="■"/>
               <a:defRPr/>
             </a:lvl3pPr>
-            <a:lvl4pPr indent="-317500" lvl="3" marL="1828800" algn="ctr">
+            <a:lvl4pPr marL="1828800" lvl="3" indent="-317500" algn="ctr">
               <a:spcBef>
                 <a:spcPts val="1600"/>
               </a:spcBef>
@@ -1485,7 +1531,7 @@
               <a:buChar char="●"/>
               <a:defRPr/>
             </a:lvl4pPr>
-            <a:lvl5pPr indent="-317500" lvl="4" marL="2286000" algn="ctr">
+            <a:lvl5pPr marL="2286000" lvl="4" indent="-317500" algn="ctr">
               <a:spcBef>
                 <a:spcPts val="1600"/>
               </a:spcBef>
@@ -1496,7 +1542,7 @@
               <a:buChar char="○"/>
               <a:defRPr/>
             </a:lvl5pPr>
-            <a:lvl6pPr indent="-317500" lvl="5" marL="2743200" algn="ctr">
+            <a:lvl6pPr marL="2743200" lvl="5" indent="-317500" algn="ctr">
               <a:spcBef>
                 <a:spcPts val="1600"/>
               </a:spcBef>
@@ -1507,7 +1553,7 @@
               <a:buChar char="■"/>
               <a:defRPr/>
             </a:lvl6pPr>
-            <a:lvl7pPr indent="-317500" lvl="6" marL="3200400" algn="ctr">
+            <a:lvl7pPr marL="3200400" lvl="6" indent="-317500" algn="ctr">
               <a:spcBef>
                 <a:spcPts val="1600"/>
               </a:spcBef>
@@ -1518,7 +1564,7 @@
               <a:buChar char="●"/>
               <a:defRPr/>
             </a:lvl7pPr>
-            <a:lvl8pPr indent="-317500" lvl="7" marL="3657600" algn="ctr">
+            <a:lvl8pPr marL="3657600" lvl="7" indent="-317500" algn="ctr">
               <a:spcBef>
                 <a:spcPts val="1600"/>
               </a:spcBef>
@@ -1529,7 +1575,7 @@
               <a:buChar char="○"/>
               <a:defRPr/>
             </a:lvl8pPr>
-            <a:lvl9pPr indent="-317500" lvl="8" marL="4114800" algn="ctr">
+            <a:lvl9pPr marL="4114800" lvl="8" indent="-317500" algn="ctr">
               <a:spcBef>
                 <a:spcPts val="1600"/>
               </a:spcBef>
@@ -1541,15 +1587,19 @@
               <a:defRPr/>
             </a:lvl9pPr>
           </a:lstStyle>
-          <a:p/>
+          <a:p>
+            <a:endParaRPr/>
+          </a:p>
         </p:txBody>
       </p:sp>
       <p:sp>
         <p:nvSpPr>
           <p:cNvPr id="47" name="Google Shape;47;p11"/>
-          <p:cNvSpPr txBox="1"/>
+          <p:cNvSpPr txBox="1">
+            <a:spLocks noGrp="1"/>
+          </p:cNvSpPr>
           <p:nvPr>
-            <p:ph idx="12" type="sldNum"/>
+            <p:ph type="sldNum" idx="12"/>
           </p:nvPr>
         </p:nvSpPr>
         <p:spPr>
@@ -1562,7 +1612,7 @@
           </a:prstGeom>
         </p:spPr>
         <p:txBody>
-          <a:bodyPr anchorCtr="0" anchor="ctr" bIns="91425" lIns="91425" spcFirstLastPara="1" rIns="91425" wrap="square" tIns="91425">
+          <a:bodyPr spcFirstLastPara="1" wrap="square" lIns="91425" tIns="91425" rIns="91425" bIns="91425" anchor="ctr" anchorCtr="0">
             <a:noAutofit/>
           </a:bodyPr>
           <a:lstStyle>
@@ -1604,7 +1654,7 @@
             </a:lvl9pPr>
           </a:lstStyle>
           <a:p>
-            <a:pPr indent="0" lvl="0" marL="0" rtl="0" algn="r">
+            <a:pPr marL="0" lvl="0" indent="0" algn="r" rtl="0">
               <a:spcBef>
                 <a:spcPts val="0"/>
               </a:spcBef>
@@ -1630,11 +1680,11 @@
 </file>
 
 <file path=ppt/slideLayouts/slideLayout11.xml><?xml version="1.0" encoding="utf-8"?>
-<p:sldLayout xmlns:a="http://schemas.openxmlformats.org/drawingml/2006/main" xmlns:r="http://schemas.openxmlformats.org/officeDocument/2006/relationships" xmlns:mc="http://schemas.openxmlformats.org/markup-compatibility/2006" xmlns:mv="urn:schemas-microsoft-com:mac:vml" xmlns:p="http://schemas.openxmlformats.org/presentationml/2006/main" xmlns:c="http://schemas.openxmlformats.org/drawingml/2006/chart" xmlns:dgm="http://schemas.openxmlformats.org/drawingml/2006/diagram" xmlns:o="urn:schemas-microsoft-com:office:office" xmlns:v="urn:schemas-microsoft-com:vml" xmlns:pvml="urn:schemas-microsoft-com:office:powerpoint" xmlns:com="http://schemas.openxmlformats.org/drawingml/2006/compatibility" xmlns:p14="http://schemas.microsoft.com/office/powerpoint/2010/main" xmlns:p15="http://schemas.microsoft.com/office/powerpoint/2012/main" xmlns:ahyp="http://schemas.microsoft.com/office/drawing/2018/hyperlinkcolor" matchingName="Blank" type="blank">
+<p:sldLayout xmlns:a="http://schemas.openxmlformats.org/drawingml/2006/main" xmlns:r="http://schemas.openxmlformats.org/officeDocument/2006/relationships" xmlns:p="http://schemas.openxmlformats.org/presentationml/2006/main" matchingName="Blank" type="blank">
   <p:cSld name="BLANK">
     <p:spTree>
       <p:nvGrpSpPr>
-        <p:cNvPr id="48" name="Shape 48"/>
+        <p:cNvPr id="1" name="Shape 48"/>
         <p:cNvGrpSpPr/>
         <p:nvPr/>
       </p:nvGrpSpPr>
@@ -1649,9 +1699,11 @@
       <p:sp>
         <p:nvSpPr>
           <p:cNvPr id="49" name="Google Shape;49;p12"/>
-          <p:cNvSpPr txBox="1"/>
+          <p:cNvSpPr txBox="1">
+            <a:spLocks noGrp="1"/>
+          </p:cNvSpPr>
           <p:nvPr>
-            <p:ph idx="12" type="sldNum"/>
+            <p:ph type="sldNum" idx="12"/>
           </p:nvPr>
         </p:nvSpPr>
         <p:spPr>
@@ -1664,7 +1716,7 @@
           </a:prstGeom>
         </p:spPr>
         <p:txBody>
-          <a:bodyPr anchorCtr="0" anchor="ctr" bIns="91425" lIns="91425" spcFirstLastPara="1" rIns="91425" wrap="square" tIns="91425">
+          <a:bodyPr spcFirstLastPara="1" wrap="square" lIns="91425" tIns="91425" rIns="91425" bIns="91425" anchor="ctr" anchorCtr="0">
             <a:noAutofit/>
           </a:bodyPr>
           <a:lstStyle>
@@ -1706,7 +1758,7 @@
             </a:lvl9pPr>
           </a:lstStyle>
           <a:p>
-            <a:pPr indent="0" lvl="0" marL="0" rtl="0" algn="r">
+            <a:pPr marL="0" lvl="0" indent="0" algn="r" rtl="0">
               <a:spcBef>
                 <a:spcPts val="0"/>
               </a:spcBef>
@@ -1732,11 +1784,11 @@
 </file>
 
 <file path=ppt/slideLayouts/slideLayout12.xml><?xml version="1.0" encoding="utf-8"?>
-<p:sldLayout xmlns:a="http://schemas.openxmlformats.org/drawingml/2006/main" xmlns:r="http://schemas.openxmlformats.org/officeDocument/2006/relationships" xmlns:mc="http://schemas.openxmlformats.org/markup-compatibility/2006" xmlns:mv="urn:schemas-microsoft-com:mac:vml" xmlns:p="http://schemas.openxmlformats.org/presentationml/2006/main" xmlns:c="http://schemas.openxmlformats.org/drawingml/2006/chart" xmlns:dgm="http://schemas.openxmlformats.org/drawingml/2006/diagram" xmlns:o="urn:schemas-microsoft-com:office:office" xmlns:v="urn:schemas-microsoft-com:vml" xmlns:pvml="urn:schemas-microsoft-com:office:powerpoint" xmlns:com="http://schemas.openxmlformats.org/drawingml/2006/compatibility" xmlns:p14="http://schemas.microsoft.com/office/powerpoint/2010/main" xmlns:p15="http://schemas.microsoft.com/office/powerpoint/2012/main" xmlns:ahyp="http://schemas.microsoft.com/office/drawing/2018/hyperlinkcolor" matchingName="제목 - 상단">
+<p:sldLayout xmlns:a="http://schemas.openxmlformats.org/drawingml/2006/main" xmlns:r="http://schemas.openxmlformats.org/officeDocument/2006/relationships" xmlns:p="http://schemas.openxmlformats.org/presentationml/2006/main" matchingName="제목 - 상단">
   <p:cSld name="제목 - 상단">
     <p:spTree>
       <p:nvGrpSpPr>
-        <p:cNvPr id="50" name="Shape 50"/>
+        <p:cNvPr id="1" name="Shape 50"/>
         <p:cNvGrpSpPr/>
         <p:nvPr/>
       </p:nvGrpSpPr>
@@ -1751,7 +1803,9 @@
       <p:sp>
         <p:nvSpPr>
           <p:cNvPr id="51" name="Google Shape;51;p13"/>
-          <p:cNvSpPr txBox="1"/>
+          <p:cNvSpPr txBox="1">
+            <a:spLocks noGrp="1"/>
+          </p:cNvSpPr>
           <p:nvPr>
             <p:ph type="title"/>
           </p:nvPr>
@@ -1770,11 +1824,11 @@
           </a:ln>
         </p:spPr>
         <p:txBody>
-          <a:bodyPr anchorCtr="0" anchor="ctr" bIns="19050" lIns="19050" spcFirstLastPara="1" rIns="19050" wrap="square" tIns="19050">
+          <a:bodyPr spcFirstLastPara="1" wrap="square" lIns="19050" tIns="19050" rIns="19050" bIns="19050" anchor="ctr" anchorCtr="0">
             <a:noAutofit/>
           </a:bodyPr>
           <a:lstStyle>
-            <a:lvl1pPr lvl="0" rtl="0" algn="l">
+            <a:lvl1pPr lvl="0" algn="l" rtl="0">
               <a:lnSpc>
                 <a:spcPct val="100000"/>
               </a:lnSpc>
@@ -1791,7 +1845,7 @@
               <a:buNone/>
               <a:defRPr/>
             </a:lvl1pPr>
-            <a:lvl2pPr lvl="1" rtl="0" algn="l">
+            <a:lvl2pPr lvl="1" algn="l" rtl="0">
               <a:lnSpc>
                 <a:spcPct val="100000"/>
               </a:lnSpc>
@@ -1808,7 +1862,7 @@
               <a:buNone/>
               <a:defRPr/>
             </a:lvl2pPr>
-            <a:lvl3pPr lvl="2" rtl="0" algn="l">
+            <a:lvl3pPr lvl="2" algn="l" rtl="0">
               <a:lnSpc>
                 <a:spcPct val="100000"/>
               </a:lnSpc>
@@ -1825,7 +1879,7 @@
               <a:buNone/>
               <a:defRPr/>
             </a:lvl3pPr>
-            <a:lvl4pPr lvl="3" rtl="0" algn="l">
+            <a:lvl4pPr lvl="3" algn="l" rtl="0">
               <a:lnSpc>
                 <a:spcPct val="100000"/>
               </a:lnSpc>
@@ -1842,7 +1896,7 @@
               <a:buNone/>
               <a:defRPr/>
             </a:lvl4pPr>
-            <a:lvl5pPr lvl="4" rtl="0" algn="l">
+            <a:lvl5pPr lvl="4" algn="l" rtl="0">
               <a:lnSpc>
                 <a:spcPct val="100000"/>
               </a:lnSpc>
@@ -1859,7 +1913,7 @@
               <a:buNone/>
               <a:defRPr/>
             </a:lvl5pPr>
-            <a:lvl6pPr lvl="5" rtl="0" algn="l">
+            <a:lvl6pPr lvl="5" algn="l" rtl="0">
               <a:lnSpc>
                 <a:spcPct val="100000"/>
               </a:lnSpc>
@@ -1876,7 +1930,7 @@
               <a:buNone/>
               <a:defRPr/>
             </a:lvl6pPr>
-            <a:lvl7pPr lvl="6" rtl="0" algn="l">
+            <a:lvl7pPr lvl="6" algn="l" rtl="0">
               <a:lnSpc>
                 <a:spcPct val="100000"/>
               </a:lnSpc>
@@ -1893,7 +1947,7 @@
               <a:buNone/>
               <a:defRPr/>
             </a:lvl7pPr>
-            <a:lvl8pPr lvl="7" rtl="0" algn="l">
+            <a:lvl8pPr lvl="7" algn="l" rtl="0">
               <a:lnSpc>
                 <a:spcPct val="100000"/>
               </a:lnSpc>
@@ -1910,7 +1964,7 @@
               <a:buNone/>
               <a:defRPr/>
             </a:lvl8pPr>
-            <a:lvl9pPr lvl="8" rtl="0" algn="l">
+            <a:lvl9pPr lvl="8" algn="l" rtl="0">
               <a:lnSpc>
                 <a:spcPct val="100000"/>
               </a:lnSpc>
@@ -1928,15 +1982,19 @@
               <a:defRPr/>
             </a:lvl9pPr>
           </a:lstStyle>
-          <a:p/>
+          <a:p>
+            <a:endParaRPr/>
+          </a:p>
         </p:txBody>
       </p:sp>
       <p:sp>
         <p:nvSpPr>
           <p:cNvPr id="52" name="Google Shape;52;p13"/>
-          <p:cNvSpPr txBox="1"/>
+          <p:cNvSpPr txBox="1">
+            <a:spLocks noGrp="1"/>
+          </p:cNvSpPr>
           <p:nvPr>
-            <p:ph idx="12" type="sldNum"/>
+            <p:ph type="sldNum" idx="12"/>
           </p:nvPr>
         </p:nvSpPr>
         <p:spPr>
@@ -1953,11 +2011,11 @@
           </a:ln>
         </p:spPr>
         <p:txBody>
-          <a:bodyPr anchorCtr="0" anchor="t" bIns="19050" lIns="19050" spcFirstLastPara="1" rIns="19050" wrap="square" tIns="19050">
+          <a:bodyPr spcFirstLastPara="1" wrap="square" lIns="19050" tIns="19050" rIns="19050" bIns="19050" anchor="t" anchorCtr="0">
             <a:noAutofit/>
           </a:bodyPr>
           <a:lstStyle>
-            <a:lvl1pPr indent="0" lvl="0" marL="0" rtl="0" algn="ctr">
+            <a:lvl1pPr marL="0" lvl="0" indent="0" algn="ctr" rtl="0">
               <a:lnSpc>
                 <a:spcPct val="100000"/>
               </a:lnSpc>
@@ -1973,14 +2031,14 @@
               <a:buSzPts val="900"/>
               <a:buFont typeface="Helvetica Neue Light"/>
               <a:buNone/>
-              <a:defRPr b="0" sz="900">
+              <a:defRPr sz="900" b="0">
                 <a:latin typeface="Helvetica Neue Light"/>
                 <a:ea typeface="Helvetica Neue Light"/>
                 <a:cs typeface="Helvetica Neue Light"/>
                 <a:sym typeface="Helvetica Neue Light"/>
               </a:defRPr>
             </a:lvl1pPr>
-            <a:lvl2pPr indent="0" lvl="1" marL="0" rtl="0" algn="ctr">
+            <a:lvl2pPr marL="0" lvl="1" indent="0" algn="ctr" rtl="0">
               <a:lnSpc>
                 <a:spcPct val="100000"/>
               </a:lnSpc>
@@ -1996,14 +2054,14 @@
               <a:buSzPts val="900"/>
               <a:buFont typeface="Helvetica Neue Light"/>
               <a:buNone/>
-              <a:defRPr b="0" sz="900">
+              <a:defRPr sz="900" b="0">
                 <a:latin typeface="Helvetica Neue Light"/>
                 <a:ea typeface="Helvetica Neue Light"/>
                 <a:cs typeface="Helvetica Neue Light"/>
                 <a:sym typeface="Helvetica Neue Light"/>
               </a:defRPr>
             </a:lvl2pPr>
-            <a:lvl3pPr indent="0" lvl="2" marL="0" rtl="0" algn="ctr">
+            <a:lvl3pPr marL="0" lvl="2" indent="0" algn="ctr" rtl="0">
               <a:lnSpc>
                 <a:spcPct val="100000"/>
               </a:lnSpc>
@@ -2019,14 +2077,14 @@
               <a:buSzPts val="900"/>
               <a:buFont typeface="Helvetica Neue Light"/>
               <a:buNone/>
-              <a:defRPr b="0" sz="900">
+              <a:defRPr sz="900" b="0">
                 <a:latin typeface="Helvetica Neue Light"/>
                 <a:ea typeface="Helvetica Neue Light"/>
                 <a:cs typeface="Helvetica Neue Light"/>
                 <a:sym typeface="Helvetica Neue Light"/>
               </a:defRPr>
             </a:lvl3pPr>
-            <a:lvl4pPr indent="0" lvl="3" marL="0" rtl="0" algn="ctr">
+            <a:lvl4pPr marL="0" lvl="3" indent="0" algn="ctr" rtl="0">
               <a:lnSpc>
                 <a:spcPct val="100000"/>
               </a:lnSpc>
@@ -2042,14 +2100,14 @@
               <a:buSzPts val="900"/>
               <a:buFont typeface="Helvetica Neue Light"/>
               <a:buNone/>
-              <a:defRPr b="0" sz="900">
+              <a:defRPr sz="900" b="0">
                 <a:latin typeface="Helvetica Neue Light"/>
                 <a:ea typeface="Helvetica Neue Light"/>
                 <a:cs typeface="Helvetica Neue Light"/>
                 <a:sym typeface="Helvetica Neue Light"/>
               </a:defRPr>
             </a:lvl4pPr>
-            <a:lvl5pPr indent="0" lvl="4" marL="0" rtl="0" algn="ctr">
+            <a:lvl5pPr marL="0" lvl="4" indent="0" algn="ctr" rtl="0">
               <a:lnSpc>
                 <a:spcPct val="100000"/>
               </a:lnSpc>
@@ -2065,14 +2123,14 @@
               <a:buSzPts val="900"/>
               <a:buFont typeface="Helvetica Neue Light"/>
               <a:buNone/>
-              <a:defRPr b="0" sz="900">
+              <a:defRPr sz="900" b="0">
                 <a:latin typeface="Helvetica Neue Light"/>
                 <a:ea typeface="Helvetica Neue Light"/>
                 <a:cs typeface="Helvetica Neue Light"/>
                 <a:sym typeface="Helvetica Neue Light"/>
               </a:defRPr>
             </a:lvl5pPr>
-            <a:lvl6pPr indent="0" lvl="5" marL="0" rtl="0" algn="ctr">
+            <a:lvl6pPr marL="0" lvl="5" indent="0" algn="ctr" rtl="0">
               <a:lnSpc>
                 <a:spcPct val="100000"/>
               </a:lnSpc>
@@ -2088,14 +2146,14 @@
               <a:buSzPts val="900"/>
               <a:buFont typeface="Helvetica Neue Light"/>
               <a:buNone/>
-              <a:defRPr b="0" sz="900">
+              <a:defRPr sz="900" b="0">
                 <a:latin typeface="Helvetica Neue Light"/>
                 <a:ea typeface="Helvetica Neue Light"/>
                 <a:cs typeface="Helvetica Neue Light"/>
                 <a:sym typeface="Helvetica Neue Light"/>
               </a:defRPr>
             </a:lvl6pPr>
-            <a:lvl7pPr indent="0" lvl="6" marL="0" rtl="0" algn="ctr">
+            <a:lvl7pPr marL="0" lvl="6" indent="0" algn="ctr" rtl="0">
               <a:lnSpc>
                 <a:spcPct val="100000"/>
               </a:lnSpc>
@@ -2111,14 +2169,14 @@
               <a:buSzPts val="900"/>
               <a:buFont typeface="Helvetica Neue Light"/>
               <a:buNone/>
-              <a:defRPr b="0" sz="900">
+              <a:defRPr sz="900" b="0">
                 <a:latin typeface="Helvetica Neue Light"/>
                 <a:ea typeface="Helvetica Neue Light"/>
                 <a:cs typeface="Helvetica Neue Light"/>
                 <a:sym typeface="Helvetica Neue Light"/>
               </a:defRPr>
             </a:lvl7pPr>
-            <a:lvl8pPr indent="0" lvl="7" marL="0" rtl="0" algn="ctr">
+            <a:lvl8pPr marL="0" lvl="7" indent="0" algn="ctr" rtl="0">
               <a:lnSpc>
                 <a:spcPct val="100000"/>
               </a:lnSpc>
@@ -2134,14 +2192,14 @@
               <a:buSzPts val="900"/>
               <a:buFont typeface="Helvetica Neue Light"/>
               <a:buNone/>
-              <a:defRPr b="0" sz="900">
+              <a:defRPr sz="900" b="0">
                 <a:latin typeface="Helvetica Neue Light"/>
                 <a:ea typeface="Helvetica Neue Light"/>
                 <a:cs typeface="Helvetica Neue Light"/>
                 <a:sym typeface="Helvetica Neue Light"/>
               </a:defRPr>
             </a:lvl8pPr>
-            <a:lvl9pPr indent="0" lvl="8" marL="0" rtl="0" algn="ctr">
+            <a:lvl9pPr marL="0" lvl="8" indent="0" algn="ctr" rtl="0">
               <a:lnSpc>
                 <a:spcPct val="100000"/>
               </a:lnSpc>
@@ -2157,7 +2215,7 @@
               <a:buSzPts val="900"/>
               <a:buFont typeface="Helvetica Neue Light"/>
               <a:buNone/>
-              <a:defRPr b="0" sz="900">
+              <a:defRPr sz="900" b="0">
                 <a:latin typeface="Helvetica Neue Light"/>
                 <a:ea typeface="Helvetica Neue Light"/>
                 <a:cs typeface="Helvetica Neue Light"/>
@@ -2166,7 +2224,7 @@
             </a:lvl9pPr>
           </a:lstStyle>
           <a:p>
-            <a:pPr indent="0" lvl="0" marL="0" rtl="0" algn="ctr">
+            <a:pPr marL="0" lvl="0" indent="0" algn="ctr" rtl="0">
               <a:spcBef>
                 <a:spcPts val="0"/>
               </a:spcBef>
@@ -2197,11 +2255,11 @@
 </file>
 
 <file path=ppt/slideLayouts/slideLayout2.xml><?xml version="1.0" encoding="utf-8"?>
-<p:sldLayout xmlns:a="http://schemas.openxmlformats.org/drawingml/2006/main" xmlns:r="http://schemas.openxmlformats.org/officeDocument/2006/relationships" xmlns:mc="http://schemas.openxmlformats.org/markup-compatibility/2006" xmlns:mv="urn:schemas-microsoft-com:mac:vml" xmlns:p="http://schemas.openxmlformats.org/presentationml/2006/main" xmlns:c="http://schemas.openxmlformats.org/drawingml/2006/chart" xmlns:dgm="http://schemas.openxmlformats.org/drawingml/2006/diagram" xmlns:o="urn:schemas-microsoft-com:office:office" xmlns:v="urn:schemas-microsoft-com:vml" xmlns:pvml="urn:schemas-microsoft-com:office:powerpoint" xmlns:com="http://schemas.openxmlformats.org/drawingml/2006/compatibility" xmlns:p14="http://schemas.microsoft.com/office/powerpoint/2010/main" xmlns:p15="http://schemas.microsoft.com/office/powerpoint/2012/main" xmlns:ahyp="http://schemas.microsoft.com/office/drawing/2018/hyperlinkcolor" matchingName="Section header" type="secHead">
+<p:sldLayout xmlns:a="http://schemas.openxmlformats.org/drawingml/2006/main" xmlns:r="http://schemas.openxmlformats.org/officeDocument/2006/relationships" xmlns:p="http://schemas.openxmlformats.org/presentationml/2006/main" matchingName="Section header" type="secHead">
   <p:cSld name="SECTION_HEADER">
     <p:spTree>
       <p:nvGrpSpPr>
-        <p:cNvPr id="13" name="Shape 13"/>
+        <p:cNvPr id="1" name="Shape 13"/>
         <p:cNvGrpSpPr/>
         <p:nvPr/>
       </p:nvGrpSpPr>
@@ -2216,7 +2274,9 @@
       <p:sp>
         <p:nvSpPr>
           <p:cNvPr id="14" name="Google Shape;14;p3"/>
-          <p:cNvSpPr txBox="1"/>
+          <p:cNvSpPr txBox="1">
+            <a:spLocks noGrp="1"/>
+          </p:cNvSpPr>
           <p:nvPr>
             <p:ph type="title"/>
           </p:nvPr>
@@ -2231,7 +2291,7 @@
           </a:prstGeom>
         </p:spPr>
         <p:txBody>
-          <a:bodyPr anchorCtr="0" anchor="ctr" bIns="91425" lIns="91425" spcFirstLastPara="1" rIns="91425" wrap="square" tIns="91425">
+          <a:bodyPr spcFirstLastPara="1" wrap="square" lIns="91425" tIns="91425" rIns="91425" bIns="91425" anchor="ctr" anchorCtr="0">
             <a:noAutofit/>
           </a:bodyPr>
           <a:lstStyle>
@@ -2335,15 +2395,19 @@
               <a:defRPr sz="3600"/>
             </a:lvl9pPr>
           </a:lstStyle>
-          <a:p/>
+          <a:p>
+            <a:endParaRPr/>
+          </a:p>
         </p:txBody>
       </p:sp>
       <p:sp>
         <p:nvSpPr>
           <p:cNvPr id="15" name="Google Shape;15;p3"/>
-          <p:cNvSpPr txBox="1"/>
+          <p:cNvSpPr txBox="1">
+            <a:spLocks noGrp="1"/>
+          </p:cNvSpPr>
           <p:nvPr>
-            <p:ph idx="12" type="sldNum"/>
+            <p:ph type="sldNum" idx="12"/>
           </p:nvPr>
         </p:nvSpPr>
         <p:spPr>
@@ -2356,7 +2420,7 @@
           </a:prstGeom>
         </p:spPr>
         <p:txBody>
-          <a:bodyPr anchorCtr="0" anchor="ctr" bIns="91425" lIns="91425" spcFirstLastPara="1" rIns="91425" wrap="square" tIns="91425">
+          <a:bodyPr spcFirstLastPara="1" wrap="square" lIns="91425" tIns="91425" rIns="91425" bIns="91425" anchor="ctr" anchorCtr="0">
             <a:noAutofit/>
           </a:bodyPr>
           <a:lstStyle>
@@ -2398,7 +2462,7 @@
             </a:lvl9pPr>
           </a:lstStyle>
           <a:p>
-            <a:pPr indent="0" lvl="0" marL="0" rtl="0" algn="r">
+            <a:pPr marL="0" lvl="0" indent="0" algn="r" rtl="0">
               <a:spcBef>
                 <a:spcPts val="0"/>
               </a:spcBef>
@@ -2424,11 +2488,11 @@
 </file>
 
 <file path=ppt/slideLayouts/slideLayout3.xml><?xml version="1.0" encoding="utf-8"?>
-<p:sldLayout xmlns:a="http://schemas.openxmlformats.org/drawingml/2006/main" xmlns:r="http://schemas.openxmlformats.org/officeDocument/2006/relationships" xmlns:mc="http://schemas.openxmlformats.org/markup-compatibility/2006" xmlns:mv="urn:schemas-microsoft-com:mac:vml" xmlns:p="http://schemas.openxmlformats.org/presentationml/2006/main" xmlns:c="http://schemas.openxmlformats.org/drawingml/2006/chart" xmlns:dgm="http://schemas.openxmlformats.org/drawingml/2006/diagram" xmlns:o="urn:schemas-microsoft-com:office:office" xmlns:v="urn:schemas-microsoft-com:vml" xmlns:pvml="urn:schemas-microsoft-com:office:powerpoint" xmlns:com="http://schemas.openxmlformats.org/drawingml/2006/compatibility" xmlns:p14="http://schemas.microsoft.com/office/powerpoint/2010/main" xmlns:p15="http://schemas.microsoft.com/office/powerpoint/2012/main" xmlns:ahyp="http://schemas.microsoft.com/office/drawing/2018/hyperlinkcolor" matchingName="Title and body" type="tx">
+<p:sldLayout xmlns:a="http://schemas.openxmlformats.org/drawingml/2006/main" xmlns:r="http://schemas.openxmlformats.org/officeDocument/2006/relationships" xmlns:p="http://schemas.openxmlformats.org/presentationml/2006/main" matchingName="Title and body" type="tx">
   <p:cSld name="TITLE_AND_BODY">
     <p:spTree>
       <p:nvGrpSpPr>
-        <p:cNvPr id="16" name="Shape 16"/>
+        <p:cNvPr id="1" name="Shape 16"/>
         <p:cNvGrpSpPr/>
         <p:nvPr/>
       </p:nvGrpSpPr>
@@ -2443,7 +2507,9 @@
       <p:sp>
         <p:nvSpPr>
           <p:cNvPr id="17" name="Google Shape;17;p4"/>
-          <p:cNvSpPr txBox="1"/>
+          <p:cNvSpPr txBox="1">
+            <a:spLocks noGrp="1"/>
+          </p:cNvSpPr>
           <p:nvPr>
             <p:ph type="title"/>
           </p:nvPr>
@@ -2458,7 +2524,7 @@
           </a:prstGeom>
         </p:spPr>
         <p:txBody>
-          <a:bodyPr anchorCtr="0" anchor="t" bIns="91425" lIns="91425" spcFirstLastPara="1" rIns="91425" wrap="square" tIns="91425">
+          <a:bodyPr spcFirstLastPara="1" wrap="square" lIns="91425" tIns="91425" rIns="91425" bIns="91425" anchor="t" anchorCtr="0">
             <a:noAutofit/>
           </a:bodyPr>
           <a:lstStyle>
@@ -2562,15 +2628,19 @@
               <a:defRPr/>
             </a:lvl9pPr>
           </a:lstStyle>
-          <a:p/>
+          <a:p>
+            <a:endParaRPr/>
+          </a:p>
         </p:txBody>
       </p:sp>
       <p:sp>
         <p:nvSpPr>
           <p:cNvPr id="18" name="Google Shape;18;p4"/>
-          <p:cNvSpPr txBox="1"/>
+          <p:cNvSpPr txBox="1">
+            <a:spLocks noGrp="1"/>
+          </p:cNvSpPr>
           <p:nvPr>
-            <p:ph idx="1" type="body"/>
+            <p:ph type="body" idx="1"/>
           </p:nvPr>
         </p:nvSpPr>
         <p:spPr>
@@ -2583,11 +2653,11 @@
           </a:prstGeom>
         </p:spPr>
         <p:txBody>
-          <a:bodyPr anchorCtr="0" anchor="t" bIns="91425" lIns="91425" spcFirstLastPara="1" rIns="91425" wrap="square" tIns="91425">
+          <a:bodyPr spcFirstLastPara="1" wrap="square" lIns="91425" tIns="91425" rIns="91425" bIns="91425" anchor="t" anchorCtr="0">
             <a:noAutofit/>
           </a:bodyPr>
           <a:lstStyle>
-            <a:lvl1pPr indent="-342900" lvl="0" marL="457200">
+            <a:lvl1pPr marL="457200" lvl="0" indent="-342900">
               <a:spcBef>
                 <a:spcPts val="0"/>
               </a:spcBef>
@@ -2598,7 +2668,7 @@
               <a:buChar char="●"/>
               <a:defRPr/>
             </a:lvl1pPr>
-            <a:lvl2pPr indent="-317500" lvl="1" marL="914400">
+            <a:lvl2pPr marL="914400" lvl="1" indent="-317500">
               <a:spcBef>
                 <a:spcPts val="1600"/>
               </a:spcBef>
@@ -2609,7 +2679,7 @@
               <a:buChar char="○"/>
               <a:defRPr/>
             </a:lvl2pPr>
-            <a:lvl3pPr indent="-317500" lvl="2" marL="1371600">
+            <a:lvl3pPr marL="1371600" lvl="2" indent="-317500">
               <a:spcBef>
                 <a:spcPts val="1600"/>
               </a:spcBef>
@@ -2620,7 +2690,7 @@
               <a:buChar char="■"/>
               <a:defRPr/>
             </a:lvl3pPr>
-            <a:lvl4pPr indent="-317500" lvl="3" marL="1828800">
+            <a:lvl4pPr marL="1828800" lvl="3" indent="-317500">
               <a:spcBef>
                 <a:spcPts val="1600"/>
               </a:spcBef>
@@ -2631,7 +2701,7 @@
               <a:buChar char="●"/>
               <a:defRPr/>
             </a:lvl4pPr>
-            <a:lvl5pPr indent="-317500" lvl="4" marL="2286000">
+            <a:lvl5pPr marL="2286000" lvl="4" indent="-317500">
               <a:spcBef>
                 <a:spcPts val="1600"/>
               </a:spcBef>
@@ -2642,7 +2712,7 @@
               <a:buChar char="○"/>
               <a:defRPr/>
             </a:lvl5pPr>
-            <a:lvl6pPr indent="-317500" lvl="5" marL="2743200">
+            <a:lvl6pPr marL="2743200" lvl="5" indent="-317500">
               <a:spcBef>
                 <a:spcPts val="1600"/>
               </a:spcBef>
@@ -2653,7 +2723,7 @@
               <a:buChar char="■"/>
               <a:defRPr/>
             </a:lvl6pPr>
-            <a:lvl7pPr indent="-317500" lvl="6" marL="3200400">
+            <a:lvl7pPr marL="3200400" lvl="6" indent="-317500">
               <a:spcBef>
                 <a:spcPts val="1600"/>
               </a:spcBef>
@@ -2664,7 +2734,7 @@
               <a:buChar char="●"/>
               <a:defRPr/>
             </a:lvl7pPr>
-            <a:lvl8pPr indent="-317500" lvl="7" marL="3657600">
+            <a:lvl8pPr marL="3657600" lvl="7" indent="-317500">
               <a:spcBef>
                 <a:spcPts val="1600"/>
               </a:spcBef>
@@ -2675,7 +2745,7 @@
               <a:buChar char="○"/>
               <a:defRPr/>
             </a:lvl8pPr>
-            <a:lvl9pPr indent="-317500" lvl="8" marL="4114800">
+            <a:lvl9pPr marL="4114800" lvl="8" indent="-317500">
               <a:spcBef>
                 <a:spcPts val="1600"/>
               </a:spcBef>
@@ -2687,15 +2757,19 @@
               <a:defRPr/>
             </a:lvl9pPr>
           </a:lstStyle>
-          <a:p/>
+          <a:p>
+            <a:endParaRPr/>
+          </a:p>
         </p:txBody>
       </p:sp>
       <p:sp>
         <p:nvSpPr>
           <p:cNvPr id="19" name="Google Shape;19;p4"/>
-          <p:cNvSpPr txBox="1"/>
+          <p:cNvSpPr txBox="1">
+            <a:spLocks noGrp="1"/>
+          </p:cNvSpPr>
           <p:nvPr>
-            <p:ph idx="12" type="sldNum"/>
+            <p:ph type="sldNum" idx="12"/>
           </p:nvPr>
         </p:nvSpPr>
         <p:spPr>
@@ -2708,7 +2782,7 @@
           </a:prstGeom>
         </p:spPr>
         <p:txBody>
-          <a:bodyPr anchorCtr="0" anchor="ctr" bIns="91425" lIns="91425" spcFirstLastPara="1" rIns="91425" wrap="square" tIns="91425">
+          <a:bodyPr spcFirstLastPara="1" wrap="square" lIns="91425" tIns="91425" rIns="91425" bIns="91425" anchor="ctr" anchorCtr="0">
             <a:noAutofit/>
           </a:bodyPr>
           <a:lstStyle>
@@ -2750,7 +2824,7 @@
             </a:lvl9pPr>
           </a:lstStyle>
           <a:p>
-            <a:pPr indent="0" lvl="0" marL="0" rtl="0" algn="r">
+            <a:pPr marL="0" lvl="0" indent="0" algn="r" rtl="0">
               <a:spcBef>
                 <a:spcPts val="0"/>
               </a:spcBef>
@@ -2776,11 +2850,11 @@
 </file>
 
 <file path=ppt/slideLayouts/slideLayout4.xml><?xml version="1.0" encoding="utf-8"?>
-<p:sldLayout xmlns:a="http://schemas.openxmlformats.org/drawingml/2006/main" xmlns:r="http://schemas.openxmlformats.org/officeDocument/2006/relationships" xmlns:mc="http://schemas.openxmlformats.org/markup-compatibility/2006" xmlns:mv="urn:schemas-microsoft-com:mac:vml" xmlns:p="http://schemas.openxmlformats.org/presentationml/2006/main" xmlns:c="http://schemas.openxmlformats.org/drawingml/2006/chart" xmlns:dgm="http://schemas.openxmlformats.org/drawingml/2006/diagram" xmlns:o="urn:schemas-microsoft-com:office:office" xmlns:v="urn:schemas-microsoft-com:vml" xmlns:pvml="urn:schemas-microsoft-com:office:powerpoint" xmlns:com="http://schemas.openxmlformats.org/drawingml/2006/compatibility" xmlns:p14="http://schemas.microsoft.com/office/powerpoint/2010/main" xmlns:p15="http://schemas.microsoft.com/office/powerpoint/2012/main" xmlns:ahyp="http://schemas.microsoft.com/office/drawing/2018/hyperlinkcolor" matchingName="Title and two columns" type="twoColTx">
+<p:sldLayout xmlns:a="http://schemas.openxmlformats.org/drawingml/2006/main" xmlns:r="http://schemas.openxmlformats.org/officeDocument/2006/relationships" xmlns:p="http://schemas.openxmlformats.org/presentationml/2006/main" matchingName="Title and two columns" type="twoColTx">
   <p:cSld name="TITLE_AND_TWO_COLUMNS">
     <p:spTree>
       <p:nvGrpSpPr>
-        <p:cNvPr id="20" name="Shape 20"/>
+        <p:cNvPr id="1" name="Shape 20"/>
         <p:cNvGrpSpPr/>
         <p:nvPr/>
       </p:nvGrpSpPr>
@@ -2795,7 +2869,9 @@
       <p:sp>
         <p:nvSpPr>
           <p:cNvPr id="21" name="Google Shape;21;p5"/>
-          <p:cNvSpPr txBox="1"/>
+          <p:cNvSpPr txBox="1">
+            <a:spLocks noGrp="1"/>
+          </p:cNvSpPr>
           <p:nvPr>
             <p:ph type="title"/>
           </p:nvPr>
@@ -2810,7 +2886,7 @@
           </a:prstGeom>
         </p:spPr>
         <p:txBody>
-          <a:bodyPr anchorCtr="0" anchor="t" bIns="91425" lIns="91425" spcFirstLastPara="1" rIns="91425" wrap="square" tIns="91425">
+          <a:bodyPr spcFirstLastPara="1" wrap="square" lIns="91425" tIns="91425" rIns="91425" bIns="91425" anchor="t" anchorCtr="0">
             <a:noAutofit/>
           </a:bodyPr>
           <a:lstStyle>
@@ -2914,15 +2990,19 @@
               <a:defRPr/>
             </a:lvl9pPr>
           </a:lstStyle>
-          <a:p/>
+          <a:p>
+            <a:endParaRPr/>
+          </a:p>
         </p:txBody>
       </p:sp>
       <p:sp>
         <p:nvSpPr>
           <p:cNvPr id="22" name="Google Shape;22;p5"/>
-          <p:cNvSpPr txBox="1"/>
+          <p:cNvSpPr txBox="1">
+            <a:spLocks noGrp="1"/>
+          </p:cNvSpPr>
           <p:nvPr>
-            <p:ph idx="1" type="body"/>
+            <p:ph type="body" idx="1"/>
           </p:nvPr>
         </p:nvSpPr>
         <p:spPr>
@@ -2935,11 +3015,11 @@
           </a:prstGeom>
         </p:spPr>
         <p:txBody>
-          <a:bodyPr anchorCtr="0" anchor="t" bIns="91425" lIns="91425" spcFirstLastPara="1" rIns="91425" wrap="square" tIns="91425">
+          <a:bodyPr spcFirstLastPara="1" wrap="square" lIns="91425" tIns="91425" rIns="91425" bIns="91425" anchor="t" anchorCtr="0">
             <a:noAutofit/>
           </a:bodyPr>
           <a:lstStyle>
-            <a:lvl1pPr indent="-317500" lvl="0" marL="457200">
+            <a:lvl1pPr marL="457200" lvl="0" indent="-317500">
               <a:spcBef>
                 <a:spcPts val="0"/>
               </a:spcBef>
@@ -2950,7 +3030,7 @@
               <a:buChar char="●"/>
               <a:defRPr sz="1400"/>
             </a:lvl1pPr>
-            <a:lvl2pPr indent="-304800" lvl="1" marL="914400">
+            <a:lvl2pPr marL="914400" lvl="1" indent="-304800">
               <a:spcBef>
                 <a:spcPts val="1600"/>
               </a:spcBef>
@@ -2961,7 +3041,7 @@
               <a:buChar char="○"/>
               <a:defRPr sz="1200"/>
             </a:lvl2pPr>
-            <a:lvl3pPr indent="-304800" lvl="2" marL="1371600">
+            <a:lvl3pPr marL="1371600" lvl="2" indent="-304800">
               <a:spcBef>
                 <a:spcPts val="1600"/>
               </a:spcBef>
@@ -2972,7 +3052,7 @@
               <a:buChar char="■"/>
               <a:defRPr sz="1200"/>
             </a:lvl3pPr>
-            <a:lvl4pPr indent="-304800" lvl="3" marL="1828800">
+            <a:lvl4pPr marL="1828800" lvl="3" indent="-304800">
               <a:spcBef>
                 <a:spcPts val="1600"/>
               </a:spcBef>
@@ -2983,7 +3063,7 @@
               <a:buChar char="●"/>
               <a:defRPr sz="1200"/>
             </a:lvl4pPr>
-            <a:lvl5pPr indent="-304800" lvl="4" marL="2286000">
+            <a:lvl5pPr marL="2286000" lvl="4" indent="-304800">
               <a:spcBef>
                 <a:spcPts val="1600"/>
               </a:spcBef>
@@ -2994,7 +3074,7 @@
               <a:buChar char="○"/>
               <a:defRPr sz="1200"/>
             </a:lvl5pPr>
-            <a:lvl6pPr indent="-304800" lvl="5" marL="2743200">
+            <a:lvl6pPr marL="2743200" lvl="5" indent="-304800">
               <a:spcBef>
                 <a:spcPts val="1600"/>
               </a:spcBef>
@@ -3005,7 +3085,7 @@
               <a:buChar char="■"/>
               <a:defRPr sz="1200"/>
             </a:lvl6pPr>
-            <a:lvl7pPr indent="-304800" lvl="6" marL="3200400">
+            <a:lvl7pPr marL="3200400" lvl="6" indent="-304800">
               <a:spcBef>
                 <a:spcPts val="1600"/>
               </a:spcBef>
@@ -3016,7 +3096,7 @@
               <a:buChar char="●"/>
               <a:defRPr sz="1200"/>
             </a:lvl7pPr>
-            <a:lvl8pPr indent="-304800" lvl="7" marL="3657600">
+            <a:lvl8pPr marL="3657600" lvl="7" indent="-304800">
               <a:spcBef>
                 <a:spcPts val="1600"/>
               </a:spcBef>
@@ -3027,7 +3107,7 @@
               <a:buChar char="○"/>
               <a:defRPr sz="1200"/>
             </a:lvl8pPr>
-            <a:lvl9pPr indent="-304800" lvl="8" marL="4114800">
+            <a:lvl9pPr marL="4114800" lvl="8" indent="-304800">
               <a:spcBef>
                 <a:spcPts val="1600"/>
               </a:spcBef>
@@ -3039,15 +3119,19 @@
               <a:defRPr sz="1200"/>
             </a:lvl9pPr>
           </a:lstStyle>
-          <a:p/>
+          <a:p>
+            <a:endParaRPr/>
+          </a:p>
         </p:txBody>
       </p:sp>
       <p:sp>
         <p:nvSpPr>
           <p:cNvPr id="23" name="Google Shape;23;p5"/>
-          <p:cNvSpPr txBox="1"/>
+          <p:cNvSpPr txBox="1">
+            <a:spLocks noGrp="1"/>
+          </p:cNvSpPr>
           <p:nvPr>
-            <p:ph idx="2" type="body"/>
+            <p:ph type="body" idx="2"/>
           </p:nvPr>
         </p:nvSpPr>
         <p:spPr>
@@ -3060,11 +3144,11 @@
           </a:prstGeom>
         </p:spPr>
         <p:txBody>
-          <a:bodyPr anchorCtr="0" anchor="t" bIns="91425" lIns="91425" spcFirstLastPara="1" rIns="91425" wrap="square" tIns="91425">
+          <a:bodyPr spcFirstLastPara="1" wrap="square" lIns="91425" tIns="91425" rIns="91425" bIns="91425" anchor="t" anchorCtr="0">
             <a:noAutofit/>
           </a:bodyPr>
           <a:lstStyle>
-            <a:lvl1pPr indent="-317500" lvl="0" marL="457200">
+            <a:lvl1pPr marL="457200" lvl="0" indent="-317500">
               <a:spcBef>
                 <a:spcPts val="0"/>
               </a:spcBef>
@@ -3075,7 +3159,7 @@
               <a:buChar char="●"/>
               <a:defRPr sz="1400"/>
             </a:lvl1pPr>
-            <a:lvl2pPr indent="-304800" lvl="1" marL="914400">
+            <a:lvl2pPr marL="914400" lvl="1" indent="-304800">
               <a:spcBef>
                 <a:spcPts val="1600"/>
               </a:spcBef>
@@ -3086,7 +3170,7 @@
               <a:buChar char="○"/>
               <a:defRPr sz="1200"/>
             </a:lvl2pPr>
-            <a:lvl3pPr indent="-304800" lvl="2" marL="1371600">
+            <a:lvl3pPr marL="1371600" lvl="2" indent="-304800">
               <a:spcBef>
                 <a:spcPts val="1600"/>
               </a:spcBef>
@@ -3097,7 +3181,7 @@
               <a:buChar char="■"/>
               <a:defRPr sz="1200"/>
             </a:lvl3pPr>
-            <a:lvl4pPr indent="-304800" lvl="3" marL="1828800">
+            <a:lvl4pPr marL="1828800" lvl="3" indent="-304800">
               <a:spcBef>
                 <a:spcPts val="1600"/>
               </a:spcBef>
@@ -3108,7 +3192,7 @@
               <a:buChar char="●"/>
               <a:defRPr sz="1200"/>
             </a:lvl4pPr>
-            <a:lvl5pPr indent="-304800" lvl="4" marL="2286000">
+            <a:lvl5pPr marL="2286000" lvl="4" indent="-304800">
               <a:spcBef>
                 <a:spcPts val="1600"/>
               </a:spcBef>
@@ -3119,7 +3203,7 @@
               <a:buChar char="○"/>
               <a:defRPr sz="1200"/>
             </a:lvl5pPr>
-            <a:lvl6pPr indent="-304800" lvl="5" marL="2743200">
+            <a:lvl6pPr marL="2743200" lvl="5" indent="-304800">
               <a:spcBef>
                 <a:spcPts val="1600"/>
               </a:spcBef>
@@ -3130,7 +3214,7 @@
               <a:buChar char="■"/>
               <a:defRPr sz="1200"/>
             </a:lvl6pPr>
-            <a:lvl7pPr indent="-304800" lvl="6" marL="3200400">
+            <a:lvl7pPr marL="3200400" lvl="6" indent="-304800">
               <a:spcBef>
                 <a:spcPts val="1600"/>
               </a:spcBef>
@@ -3141,7 +3225,7 @@
               <a:buChar char="●"/>
               <a:defRPr sz="1200"/>
             </a:lvl7pPr>
-            <a:lvl8pPr indent="-304800" lvl="7" marL="3657600">
+            <a:lvl8pPr marL="3657600" lvl="7" indent="-304800">
               <a:spcBef>
                 <a:spcPts val="1600"/>
               </a:spcBef>
@@ -3152,7 +3236,7 @@
               <a:buChar char="○"/>
               <a:defRPr sz="1200"/>
             </a:lvl8pPr>
-            <a:lvl9pPr indent="-304800" lvl="8" marL="4114800">
+            <a:lvl9pPr marL="4114800" lvl="8" indent="-304800">
               <a:spcBef>
                 <a:spcPts val="1600"/>
               </a:spcBef>
@@ -3164,15 +3248,19 @@
               <a:defRPr sz="1200"/>
             </a:lvl9pPr>
           </a:lstStyle>
-          <a:p/>
+          <a:p>
+            <a:endParaRPr/>
+          </a:p>
         </p:txBody>
       </p:sp>
       <p:sp>
         <p:nvSpPr>
           <p:cNvPr id="24" name="Google Shape;24;p5"/>
-          <p:cNvSpPr txBox="1"/>
+          <p:cNvSpPr txBox="1">
+            <a:spLocks noGrp="1"/>
+          </p:cNvSpPr>
           <p:nvPr>
-            <p:ph idx="12" type="sldNum"/>
+            <p:ph type="sldNum" idx="12"/>
           </p:nvPr>
         </p:nvSpPr>
         <p:spPr>
@@ -3185,7 +3273,7 @@
           </a:prstGeom>
         </p:spPr>
         <p:txBody>
-          <a:bodyPr anchorCtr="0" anchor="ctr" bIns="91425" lIns="91425" spcFirstLastPara="1" rIns="91425" wrap="square" tIns="91425">
+          <a:bodyPr spcFirstLastPara="1" wrap="square" lIns="91425" tIns="91425" rIns="91425" bIns="91425" anchor="ctr" anchorCtr="0">
             <a:noAutofit/>
           </a:bodyPr>
           <a:lstStyle>
@@ -3227,7 +3315,7 @@
             </a:lvl9pPr>
           </a:lstStyle>
           <a:p>
-            <a:pPr indent="0" lvl="0" marL="0" rtl="0" algn="r">
+            <a:pPr marL="0" lvl="0" indent="0" algn="r" rtl="0">
               <a:spcBef>
                 <a:spcPts val="0"/>
               </a:spcBef>
@@ -3253,11 +3341,11 @@
 </file>
 
 <file path=ppt/slideLayouts/slideLayout5.xml><?xml version="1.0" encoding="utf-8"?>
-<p:sldLayout xmlns:a="http://schemas.openxmlformats.org/drawingml/2006/main" xmlns:r="http://schemas.openxmlformats.org/officeDocument/2006/relationships" xmlns:mc="http://schemas.openxmlformats.org/markup-compatibility/2006" xmlns:mv="urn:schemas-microsoft-com:mac:vml" xmlns:p="http://schemas.openxmlformats.org/presentationml/2006/main" xmlns:c="http://schemas.openxmlformats.org/drawingml/2006/chart" xmlns:dgm="http://schemas.openxmlformats.org/drawingml/2006/diagram" xmlns:o="urn:schemas-microsoft-com:office:office" xmlns:v="urn:schemas-microsoft-com:vml" xmlns:pvml="urn:schemas-microsoft-com:office:powerpoint" xmlns:com="http://schemas.openxmlformats.org/drawingml/2006/compatibility" xmlns:p14="http://schemas.microsoft.com/office/powerpoint/2010/main" xmlns:p15="http://schemas.microsoft.com/office/powerpoint/2012/main" xmlns:ahyp="http://schemas.microsoft.com/office/drawing/2018/hyperlinkcolor" matchingName="Title only" type="titleOnly">
+<p:sldLayout xmlns:a="http://schemas.openxmlformats.org/drawingml/2006/main" xmlns:r="http://schemas.openxmlformats.org/officeDocument/2006/relationships" xmlns:p="http://schemas.openxmlformats.org/presentationml/2006/main" matchingName="Title only" type="titleOnly">
   <p:cSld name="TITLE_ONLY">
     <p:spTree>
       <p:nvGrpSpPr>
-        <p:cNvPr id="25" name="Shape 25"/>
+        <p:cNvPr id="1" name="Shape 25"/>
         <p:cNvGrpSpPr/>
         <p:nvPr/>
       </p:nvGrpSpPr>
@@ -3272,7 +3360,9 @@
       <p:sp>
         <p:nvSpPr>
           <p:cNvPr id="26" name="Google Shape;26;p6"/>
-          <p:cNvSpPr txBox="1"/>
+          <p:cNvSpPr txBox="1">
+            <a:spLocks noGrp="1"/>
+          </p:cNvSpPr>
           <p:nvPr>
             <p:ph type="title"/>
           </p:nvPr>
@@ -3287,7 +3377,7 @@
           </a:prstGeom>
         </p:spPr>
         <p:txBody>
-          <a:bodyPr anchorCtr="0" anchor="t" bIns="91425" lIns="91425" spcFirstLastPara="1" rIns="91425" wrap="square" tIns="91425">
+          <a:bodyPr spcFirstLastPara="1" wrap="square" lIns="91425" tIns="91425" rIns="91425" bIns="91425" anchor="t" anchorCtr="0">
             <a:noAutofit/>
           </a:bodyPr>
           <a:lstStyle>
@@ -3391,15 +3481,19 @@
               <a:defRPr/>
             </a:lvl9pPr>
           </a:lstStyle>
-          <a:p/>
+          <a:p>
+            <a:endParaRPr/>
+          </a:p>
         </p:txBody>
       </p:sp>
       <p:sp>
         <p:nvSpPr>
           <p:cNvPr id="27" name="Google Shape;27;p6"/>
-          <p:cNvSpPr txBox="1"/>
+          <p:cNvSpPr txBox="1">
+            <a:spLocks noGrp="1"/>
+          </p:cNvSpPr>
           <p:nvPr>
-            <p:ph idx="12" type="sldNum"/>
+            <p:ph type="sldNum" idx="12"/>
           </p:nvPr>
         </p:nvSpPr>
         <p:spPr>
@@ -3412,7 +3506,7 @@
           </a:prstGeom>
         </p:spPr>
         <p:txBody>
-          <a:bodyPr anchorCtr="0" anchor="ctr" bIns="91425" lIns="91425" spcFirstLastPara="1" rIns="91425" wrap="square" tIns="91425">
+          <a:bodyPr spcFirstLastPara="1" wrap="square" lIns="91425" tIns="91425" rIns="91425" bIns="91425" anchor="ctr" anchorCtr="0">
             <a:noAutofit/>
           </a:bodyPr>
           <a:lstStyle>
@@ -3454,7 +3548,7 @@
             </a:lvl9pPr>
           </a:lstStyle>
           <a:p>
-            <a:pPr indent="0" lvl="0" marL="0" rtl="0" algn="r">
+            <a:pPr marL="0" lvl="0" indent="0" algn="r" rtl="0">
               <a:spcBef>
                 <a:spcPts val="0"/>
               </a:spcBef>
@@ -3480,11 +3574,11 @@
 </file>
 
 <file path=ppt/slideLayouts/slideLayout6.xml><?xml version="1.0" encoding="utf-8"?>
-<p:sldLayout xmlns:a="http://schemas.openxmlformats.org/drawingml/2006/main" xmlns:r="http://schemas.openxmlformats.org/officeDocument/2006/relationships" xmlns:mc="http://schemas.openxmlformats.org/markup-compatibility/2006" xmlns:mv="urn:schemas-microsoft-com:mac:vml" xmlns:p="http://schemas.openxmlformats.org/presentationml/2006/main" xmlns:c="http://schemas.openxmlformats.org/drawingml/2006/chart" xmlns:dgm="http://schemas.openxmlformats.org/drawingml/2006/diagram" xmlns:o="urn:schemas-microsoft-com:office:office" xmlns:v="urn:schemas-microsoft-com:vml" xmlns:pvml="urn:schemas-microsoft-com:office:powerpoint" xmlns:com="http://schemas.openxmlformats.org/drawingml/2006/compatibility" xmlns:p14="http://schemas.microsoft.com/office/powerpoint/2010/main" xmlns:p15="http://schemas.microsoft.com/office/powerpoint/2012/main" xmlns:ahyp="http://schemas.microsoft.com/office/drawing/2018/hyperlinkcolor" matchingName="One column text">
+<p:sldLayout xmlns:a="http://schemas.openxmlformats.org/drawingml/2006/main" xmlns:r="http://schemas.openxmlformats.org/officeDocument/2006/relationships" xmlns:p="http://schemas.openxmlformats.org/presentationml/2006/main" matchingName="One column text">
   <p:cSld name="ONE_COLUMN_TEXT">
     <p:spTree>
       <p:nvGrpSpPr>
-        <p:cNvPr id="28" name="Shape 28"/>
+        <p:cNvPr id="1" name="Shape 28"/>
         <p:cNvGrpSpPr/>
         <p:nvPr/>
       </p:nvGrpSpPr>
@@ -3499,7 +3593,9 @@
       <p:sp>
         <p:nvSpPr>
           <p:cNvPr id="29" name="Google Shape;29;p7"/>
-          <p:cNvSpPr txBox="1"/>
+          <p:cNvSpPr txBox="1">
+            <a:spLocks noGrp="1"/>
+          </p:cNvSpPr>
           <p:nvPr>
             <p:ph type="title"/>
           </p:nvPr>
@@ -3514,7 +3610,7 @@
           </a:prstGeom>
         </p:spPr>
         <p:txBody>
-          <a:bodyPr anchorCtr="0" anchor="b" bIns="91425" lIns="91425" spcFirstLastPara="1" rIns="91425" wrap="square" tIns="91425">
+          <a:bodyPr spcFirstLastPara="1" wrap="square" lIns="91425" tIns="91425" rIns="91425" bIns="91425" anchor="b" anchorCtr="0">
             <a:noAutofit/>
           </a:bodyPr>
           <a:lstStyle>
@@ -3618,15 +3714,19 @@
               <a:defRPr sz="2400"/>
             </a:lvl9pPr>
           </a:lstStyle>
-          <a:p/>
+          <a:p>
+            <a:endParaRPr/>
+          </a:p>
         </p:txBody>
       </p:sp>
       <p:sp>
         <p:nvSpPr>
           <p:cNvPr id="30" name="Google Shape;30;p7"/>
-          <p:cNvSpPr txBox="1"/>
+          <p:cNvSpPr txBox="1">
+            <a:spLocks noGrp="1"/>
+          </p:cNvSpPr>
           <p:nvPr>
-            <p:ph idx="1" type="body"/>
+            <p:ph type="body" idx="1"/>
           </p:nvPr>
         </p:nvSpPr>
         <p:spPr>
@@ -3639,11 +3739,11 @@
           </a:prstGeom>
         </p:spPr>
         <p:txBody>
-          <a:bodyPr anchorCtr="0" anchor="t" bIns="91425" lIns="91425" spcFirstLastPara="1" rIns="91425" wrap="square" tIns="91425">
+          <a:bodyPr spcFirstLastPara="1" wrap="square" lIns="91425" tIns="91425" rIns="91425" bIns="91425" anchor="t" anchorCtr="0">
             <a:noAutofit/>
           </a:bodyPr>
           <a:lstStyle>
-            <a:lvl1pPr indent="-304800" lvl="0" marL="457200">
+            <a:lvl1pPr marL="457200" lvl="0" indent="-304800">
               <a:spcBef>
                 <a:spcPts val="0"/>
               </a:spcBef>
@@ -3654,7 +3754,7 @@
               <a:buChar char="●"/>
               <a:defRPr sz="1200"/>
             </a:lvl1pPr>
-            <a:lvl2pPr indent="-304800" lvl="1" marL="914400">
+            <a:lvl2pPr marL="914400" lvl="1" indent="-304800">
               <a:spcBef>
                 <a:spcPts val="1600"/>
               </a:spcBef>
@@ -3665,7 +3765,7 @@
               <a:buChar char="○"/>
               <a:defRPr sz="1200"/>
             </a:lvl2pPr>
-            <a:lvl3pPr indent="-304800" lvl="2" marL="1371600">
+            <a:lvl3pPr marL="1371600" lvl="2" indent="-304800">
               <a:spcBef>
                 <a:spcPts val="1600"/>
               </a:spcBef>
@@ -3676,7 +3776,7 @@
               <a:buChar char="■"/>
               <a:defRPr sz="1200"/>
             </a:lvl3pPr>
-            <a:lvl4pPr indent="-304800" lvl="3" marL="1828800">
+            <a:lvl4pPr marL="1828800" lvl="3" indent="-304800">
               <a:spcBef>
                 <a:spcPts val="1600"/>
               </a:spcBef>
@@ -3687,7 +3787,7 @@
               <a:buChar char="●"/>
               <a:defRPr sz="1200"/>
             </a:lvl4pPr>
-            <a:lvl5pPr indent="-304800" lvl="4" marL="2286000">
+            <a:lvl5pPr marL="2286000" lvl="4" indent="-304800">
               <a:spcBef>
                 <a:spcPts val="1600"/>
               </a:spcBef>
@@ -3698,7 +3798,7 @@
               <a:buChar char="○"/>
               <a:defRPr sz="1200"/>
             </a:lvl5pPr>
-            <a:lvl6pPr indent="-304800" lvl="5" marL="2743200">
+            <a:lvl6pPr marL="2743200" lvl="5" indent="-304800">
               <a:spcBef>
                 <a:spcPts val="1600"/>
               </a:spcBef>
@@ -3709,7 +3809,7 @@
               <a:buChar char="■"/>
               <a:defRPr sz="1200"/>
             </a:lvl6pPr>
-            <a:lvl7pPr indent="-304800" lvl="6" marL="3200400">
+            <a:lvl7pPr marL="3200400" lvl="6" indent="-304800">
               <a:spcBef>
                 <a:spcPts val="1600"/>
               </a:spcBef>
@@ -3720,7 +3820,7 @@
               <a:buChar char="●"/>
               <a:defRPr sz="1200"/>
             </a:lvl7pPr>
-            <a:lvl8pPr indent="-304800" lvl="7" marL="3657600">
+            <a:lvl8pPr marL="3657600" lvl="7" indent="-304800">
               <a:spcBef>
                 <a:spcPts val="1600"/>
               </a:spcBef>
@@ -3731,7 +3831,7 @@
               <a:buChar char="○"/>
               <a:defRPr sz="1200"/>
             </a:lvl8pPr>
-            <a:lvl9pPr indent="-304800" lvl="8" marL="4114800">
+            <a:lvl9pPr marL="4114800" lvl="8" indent="-304800">
               <a:spcBef>
                 <a:spcPts val="1600"/>
               </a:spcBef>
@@ -3743,15 +3843,19 @@
               <a:defRPr sz="1200"/>
             </a:lvl9pPr>
           </a:lstStyle>
-          <a:p/>
+          <a:p>
+            <a:endParaRPr/>
+          </a:p>
         </p:txBody>
       </p:sp>
       <p:sp>
         <p:nvSpPr>
           <p:cNvPr id="31" name="Google Shape;31;p7"/>
-          <p:cNvSpPr txBox="1"/>
+          <p:cNvSpPr txBox="1">
+            <a:spLocks noGrp="1"/>
+          </p:cNvSpPr>
           <p:nvPr>
-            <p:ph idx="12" type="sldNum"/>
+            <p:ph type="sldNum" idx="12"/>
           </p:nvPr>
         </p:nvSpPr>
         <p:spPr>
@@ -3764,7 +3868,7 @@
           </a:prstGeom>
         </p:spPr>
         <p:txBody>
-          <a:bodyPr anchorCtr="0" anchor="ctr" bIns="91425" lIns="91425" spcFirstLastPara="1" rIns="91425" wrap="square" tIns="91425">
+          <a:bodyPr spcFirstLastPara="1" wrap="square" lIns="91425" tIns="91425" rIns="91425" bIns="91425" anchor="ctr" anchorCtr="0">
             <a:noAutofit/>
           </a:bodyPr>
           <a:lstStyle>
@@ -3806,7 +3910,7 @@
             </a:lvl9pPr>
           </a:lstStyle>
           <a:p>
-            <a:pPr indent="0" lvl="0" marL="0" rtl="0" algn="r">
+            <a:pPr marL="0" lvl="0" indent="0" algn="r" rtl="0">
               <a:spcBef>
                 <a:spcPts val="0"/>
               </a:spcBef>
@@ -3832,11 +3936,11 @@
 </file>
 
 <file path=ppt/slideLayouts/slideLayout7.xml><?xml version="1.0" encoding="utf-8"?>
-<p:sldLayout xmlns:a="http://schemas.openxmlformats.org/drawingml/2006/main" xmlns:r="http://schemas.openxmlformats.org/officeDocument/2006/relationships" xmlns:mc="http://schemas.openxmlformats.org/markup-compatibility/2006" xmlns:mv="urn:schemas-microsoft-com:mac:vml" xmlns:p="http://schemas.openxmlformats.org/presentationml/2006/main" xmlns:c="http://schemas.openxmlformats.org/drawingml/2006/chart" xmlns:dgm="http://schemas.openxmlformats.org/drawingml/2006/diagram" xmlns:o="urn:schemas-microsoft-com:office:office" xmlns:v="urn:schemas-microsoft-com:vml" xmlns:pvml="urn:schemas-microsoft-com:office:powerpoint" xmlns:com="http://schemas.openxmlformats.org/drawingml/2006/compatibility" xmlns:p14="http://schemas.microsoft.com/office/powerpoint/2010/main" xmlns:p15="http://schemas.microsoft.com/office/powerpoint/2012/main" xmlns:ahyp="http://schemas.microsoft.com/office/drawing/2018/hyperlinkcolor" matchingName="Main point">
+<p:sldLayout xmlns:a="http://schemas.openxmlformats.org/drawingml/2006/main" xmlns:r="http://schemas.openxmlformats.org/officeDocument/2006/relationships" xmlns:p="http://schemas.openxmlformats.org/presentationml/2006/main" matchingName="Main point">
   <p:cSld name="MAIN_POINT">
     <p:spTree>
       <p:nvGrpSpPr>
-        <p:cNvPr id="32" name="Shape 32"/>
+        <p:cNvPr id="1" name="Shape 32"/>
         <p:cNvGrpSpPr/>
         <p:nvPr/>
       </p:nvGrpSpPr>
@@ -3851,7 +3955,9 @@
       <p:sp>
         <p:nvSpPr>
           <p:cNvPr id="33" name="Google Shape;33;p8"/>
-          <p:cNvSpPr txBox="1"/>
+          <p:cNvSpPr txBox="1">
+            <a:spLocks noGrp="1"/>
+          </p:cNvSpPr>
           <p:nvPr>
             <p:ph type="title"/>
           </p:nvPr>
@@ -3866,7 +3972,7 @@
           </a:prstGeom>
         </p:spPr>
         <p:txBody>
-          <a:bodyPr anchorCtr="0" anchor="ctr" bIns="91425" lIns="91425" spcFirstLastPara="1" rIns="91425" wrap="square" tIns="91425">
+          <a:bodyPr spcFirstLastPara="1" wrap="square" lIns="91425" tIns="91425" rIns="91425" bIns="91425" anchor="ctr" anchorCtr="0">
             <a:noAutofit/>
           </a:bodyPr>
           <a:lstStyle>
@@ -3970,15 +4076,19 @@
               <a:defRPr sz="4800"/>
             </a:lvl9pPr>
           </a:lstStyle>
-          <a:p/>
+          <a:p>
+            <a:endParaRPr/>
+          </a:p>
         </p:txBody>
       </p:sp>
       <p:sp>
         <p:nvSpPr>
           <p:cNvPr id="34" name="Google Shape;34;p8"/>
-          <p:cNvSpPr txBox="1"/>
+          <p:cNvSpPr txBox="1">
+            <a:spLocks noGrp="1"/>
+          </p:cNvSpPr>
           <p:nvPr>
-            <p:ph idx="12" type="sldNum"/>
+            <p:ph type="sldNum" idx="12"/>
           </p:nvPr>
         </p:nvSpPr>
         <p:spPr>
@@ -3991,7 +4101,7 @@
           </a:prstGeom>
         </p:spPr>
         <p:txBody>
-          <a:bodyPr anchorCtr="0" anchor="ctr" bIns="91425" lIns="91425" spcFirstLastPara="1" rIns="91425" wrap="square" tIns="91425">
+          <a:bodyPr spcFirstLastPara="1" wrap="square" lIns="91425" tIns="91425" rIns="91425" bIns="91425" anchor="ctr" anchorCtr="0">
             <a:noAutofit/>
           </a:bodyPr>
           <a:lstStyle>
@@ -4033,7 +4143,7 @@
             </a:lvl9pPr>
           </a:lstStyle>
           <a:p>
-            <a:pPr indent="0" lvl="0" marL="0" rtl="0" algn="r">
+            <a:pPr marL="0" lvl="0" indent="0" algn="r" rtl="0">
               <a:spcBef>
                 <a:spcPts val="0"/>
               </a:spcBef>
@@ -4059,11 +4169,11 @@
 </file>
 
 <file path=ppt/slideLayouts/slideLayout8.xml><?xml version="1.0" encoding="utf-8"?>
-<p:sldLayout xmlns:a="http://schemas.openxmlformats.org/drawingml/2006/main" xmlns:r="http://schemas.openxmlformats.org/officeDocument/2006/relationships" xmlns:mc="http://schemas.openxmlformats.org/markup-compatibility/2006" xmlns:mv="urn:schemas-microsoft-com:mac:vml" xmlns:p="http://schemas.openxmlformats.org/presentationml/2006/main" xmlns:c="http://schemas.openxmlformats.org/drawingml/2006/chart" xmlns:dgm="http://schemas.openxmlformats.org/drawingml/2006/diagram" xmlns:o="urn:schemas-microsoft-com:office:office" xmlns:v="urn:schemas-microsoft-com:vml" xmlns:pvml="urn:schemas-microsoft-com:office:powerpoint" xmlns:com="http://schemas.openxmlformats.org/drawingml/2006/compatibility" xmlns:p14="http://schemas.microsoft.com/office/powerpoint/2010/main" xmlns:p15="http://schemas.microsoft.com/office/powerpoint/2012/main" xmlns:ahyp="http://schemas.microsoft.com/office/drawing/2018/hyperlinkcolor" matchingName="Section title and description">
+<p:sldLayout xmlns:a="http://schemas.openxmlformats.org/drawingml/2006/main" xmlns:r="http://schemas.openxmlformats.org/officeDocument/2006/relationships" xmlns:p="http://schemas.openxmlformats.org/presentationml/2006/main" matchingName="Section title and description">
   <p:cSld name="SECTION_TITLE_AND_DESCRIPTION">
     <p:spTree>
       <p:nvGrpSpPr>
-        <p:cNvPr id="35" name="Shape 35"/>
+        <p:cNvPr id="1" name="Shape 35"/>
         <p:cNvGrpSpPr/>
         <p:nvPr/>
       </p:nvGrpSpPr>
@@ -4097,12 +4207,12 @@
           </a:ln>
         </p:spPr>
         <p:txBody>
-          <a:bodyPr anchorCtr="0" anchor="ctr" bIns="91425" lIns="91425" spcFirstLastPara="1" rIns="91425" wrap="square" tIns="91425">
+          <a:bodyPr spcFirstLastPara="1" wrap="square" lIns="91425" tIns="91425" rIns="91425" bIns="91425" anchor="ctr" anchorCtr="0">
             <a:noAutofit/>
           </a:bodyPr>
           <a:lstStyle/>
           <a:p>
-            <a:pPr indent="0" lvl="0" marL="0" rtl="0" algn="l">
+            <a:pPr marL="0" lvl="0" indent="0" algn="l" rtl="0">
               <a:spcBef>
                 <a:spcPts val="0"/>
               </a:spcBef>
@@ -4111,9 +4221,6 @@
               </a:spcAft>
               <a:buNone/>
             </a:pPr>
-            <a:r>
-              <a:t/>
-            </a:r>
             <a:endParaRPr/>
           </a:p>
         </p:txBody>
@@ -4121,7 +4228,9 @@
       <p:sp>
         <p:nvSpPr>
           <p:cNvPr id="37" name="Google Shape;37;p9"/>
-          <p:cNvSpPr txBox="1"/>
+          <p:cNvSpPr txBox="1">
+            <a:spLocks noGrp="1"/>
+          </p:cNvSpPr>
           <p:nvPr>
             <p:ph type="title"/>
           </p:nvPr>
@@ -4136,7 +4245,7 @@
           </a:prstGeom>
         </p:spPr>
         <p:txBody>
-          <a:bodyPr anchorCtr="0" anchor="b" bIns="91425" lIns="91425" spcFirstLastPara="1" rIns="91425" wrap="square" tIns="91425">
+          <a:bodyPr spcFirstLastPara="1" wrap="square" lIns="91425" tIns="91425" rIns="91425" bIns="91425" anchor="b" anchorCtr="0">
             <a:noAutofit/>
           </a:bodyPr>
           <a:lstStyle>
@@ -4240,15 +4349,19 @@
               <a:defRPr sz="4200"/>
             </a:lvl9pPr>
           </a:lstStyle>
-          <a:p/>
+          <a:p>
+            <a:endParaRPr/>
+          </a:p>
         </p:txBody>
       </p:sp>
       <p:sp>
         <p:nvSpPr>
           <p:cNvPr id="38" name="Google Shape;38;p9"/>
-          <p:cNvSpPr txBox="1"/>
+          <p:cNvSpPr txBox="1">
+            <a:spLocks noGrp="1"/>
+          </p:cNvSpPr>
           <p:nvPr>
-            <p:ph idx="1" type="subTitle"/>
+            <p:ph type="subTitle" idx="1"/>
           </p:nvPr>
         </p:nvSpPr>
         <p:spPr>
@@ -4261,7 +4374,7 @@
           </a:prstGeom>
         </p:spPr>
         <p:txBody>
-          <a:bodyPr anchorCtr="0" anchor="t" bIns="91425" lIns="91425" spcFirstLastPara="1" rIns="91425" wrap="square" tIns="91425">
+          <a:bodyPr spcFirstLastPara="1" wrap="square" lIns="91425" tIns="91425" rIns="91425" bIns="91425" anchor="t" anchorCtr="0">
             <a:noAutofit/>
           </a:bodyPr>
           <a:lstStyle>
@@ -4392,15 +4505,19 @@
               <a:defRPr sz="2100"/>
             </a:lvl9pPr>
           </a:lstStyle>
-          <a:p/>
+          <a:p>
+            <a:endParaRPr/>
+          </a:p>
         </p:txBody>
       </p:sp>
       <p:sp>
         <p:nvSpPr>
           <p:cNvPr id="39" name="Google Shape;39;p9"/>
-          <p:cNvSpPr txBox="1"/>
+          <p:cNvSpPr txBox="1">
+            <a:spLocks noGrp="1"/>
+          </p:cNvSpPr>
           <p:nvPr>
-            <p:ph idx="2" type="body"/>
+            <p:ph type="body" idx="2"/>
           </p:nvPr>
         </p:nvSpPr>
         <p:spPr>
@@ -4413,11 +4530,11 @@
           </a:prstGeom>
         </p:spPr>
         <p:txBody>
-          <a:bodyPr anchorCtr="0" anchor="ctr" bIns="91425" lIns="91425" spcFirstLastPara="1" rIns="91425" wrap="square" tIns="91425">
+          <a:bodyPr spcFirstLastPara="1" wrap="square" lIns="91425" tIns="91425" rIns="91425" bIns="91425" anchor="ctr" anchorCtr="0">
             <a:noAutofit/>
           </a:bodyPr>
           <a:lstStyle>
-            <a:lvl1pPr indent="-342900" lvl="0" marL="457200">
+            <a:lvl1pPr marL="457200" lvl="0" indent="-342900">
               <a:spcBef>
                 <a:spcPts val="0"/>
               </a:spcBef>
@@ -4428,7 +4545,7 @@
               <a:buChar char="●"/>
               <a:defRPr/>
             </a:lvl1pPr>
-            <a:lvl2pPr indent="-317500" lvl="1" marL="914400">
+            <a:lvl2pPr marL="914400" lvl="1" indent="-317500">
               <a:spcBef>
                 <a:spcPts val="1600"/>
               </a:spcBef>
@@ -4439,7 +4556,7 @@
               <a:buChar char="○"/>
               <a:defRPr/>
             </a:lvl2pPr>
-            <a:lvl3pPr indent="-317500" lvl="2" marL="1371600">
+            <a:lvl3pPr marL="1371600" lvl="2" indent="-317500">
               <a:spcBef>
                 <a:spcPts val="1600"/>
               </a:spcBef>
@@ -4450,7 +4567,7 @@
               <a:buChar char="■"/>
               <a:defRPr/>
             </a:lvl3pPr>
-            <a:lvl4pPr indent="-317500" lvl="3" marL="1828800">
+            <a:lvl4pPr marL="1828800" lvl="3" indent="-317500">
               <a:spcBef>
                 <a:spcPts val="1600"/>
               </a:spcBef>
@@ -4461,7 +4578,7 @@
               <a:buChar char="●"/>
               <a:defRPr/>
             </a:lvl4pPr>
-            <a:lvl5pPr indent="-317500" lvl="4" marL="2286000">
+            <a:lvl5pPr marL="2286000" lvl="4" indent="-317500">
               <a:spcBef>
                 <a:spcPts val="1600"/>
               </a:spcBef>
@@ -4472,7 +4589,7 @@
               <a:buChar char="○"/>
               <a:defRPr/>
             </a:lvl5pPr>
-            <a:lvl6pPr indent="-317500" lvl="5" marL="2743200">
+            <a:lvl6pPr marL="2743200" lvl="5" indent="-317500">
               <a:spcBef>
                 <a:spcPts val="1600"/>
               </a:spcBef>
@@ -4483,7 +4600,7 @@
               <a:buChar char="■"/>
               <a:defRPr/>
             </a:lvl6pPr>
-            <a:lvl7pPr indent="-317500" lvl="6" marL="3200400">
+            <a:lvl7pPr marL="3200400" lvl="6" indent="-317500">
               <a:spcBef>
                 <a:spcPts val="1600"/>
               </a:spcBef>
@@ -4494,7 +4611,7 @@
               <a:buChar char="●"/>
               <a:defRPr/>
             </a:lvl7pPr>
-            <a:lvl8pPr indent="-317500" lvl="7" marL="3657600">
+            <a:lvl8pPr marL="3657600" lvl="7" indent="-317500">
               <a:spcBef>
                 <a:spcPts val="1600"/>
               </a:spcBef>
@@ -4505,7 +4622,7 @@
               <a:buChar char="○"/>
               <a:defRPr/>
             </a:lvl8pPr>
-            <a:lvl9pPr indent="-317500" lvl="8" marL="4114800">
+            <a:lvl9pPr marL="4114800" lvl="8" indent="-317500">
               <a:spcBef>
                 <a:spcPts val="1600"/>
               </a:spcBef>
@@ -4517,15 +4634,19 @@
               <a:defRPr/>
             </a:lvl9pPr>
           </a:lstStyle>
-          <a:p/>
+          <a:p>
+            <a:endParaRPr/>
+          </a:p>
         </p:txBody>
       </p:sp>
       <p:sp>
         <p:nvSpPr>
           <p:cNvPr id="40" name="Google Shape;40;p9"/>
-          <p:cNvSpPr txBox="1"/>
+          <p:cNvSpPr txBox="1">
+            <a:spLocks noGrp="1"/>
+          </p:cNvSpPr>
           <p:nvPr>
-            <p:ph idx="12" type="sldNum"/>
+            <p:ph type="sldNum" idx="12"/>
           </p:nvPr>
         </p:nvSpPr>
         <p:spPr>
@@ -4538,7 +4659,7 @@
           </a:prstGeom>
         </p:spPr>
         <p:txBody>
-          <a:bodyPr anchorCtr="0" anchor="ctr" bIns="91425" lIns="91425" spcFirstLastPara="1" rIns="91425" wrap="square" tIns="91425">
+          <a:bodyPr spcFirstLastPara="1" wrap="square" lIns="91425" tIns="91425" rIns="91425" bIns="91425" anchor="ctr" anchorCtr="0">
             <a:noAutofit/>
           </a:bodyPr>
           <a:lstStyle>
@@ -4580,7 +4701,7 @@
             </a:lvl9pPr>
           </a:lstStyle>
           <a:p>
-            <a:pPr indent="0" lvl="0" marL="0" rtl="0" algn="r">
+            <a:pPr marL="0" lvl="0" indent="0" algn="r" rtl="0">
               <a:spcBef>
                 <a:spcPts val="0"/>
               </a:spcBef>
@@ -4606,11 +4727,11 @@
 </file>
 
 <file path=ppt/slideLayouts/slideLayout9.xml><?xml version="1.0" encoding="utf-8"?>
-<p:sldLayout xmlns:a="http://schemas.openxmlformats.org/drawingml/2006/main" xmlns:r="http://schemas.openxmlformats.org/officeDocument/2006/relationships" xmlns:mc="http://schemas.openxmlformats.org/markup-compatibility/2006" xmlns:mv="urn:schemas-microsoft-com:mac:vml" xmlns:p="http://schemas.openxmlformats.org/presentationml/2006/main" xmlns:c="http://schemas.openxmlformats.org/drawingml/2006/chart" xmlns:dgm="http://schemas.openxmlformats.org/drawingml/2006/diagram" xmlns:o="urn:schemas-microsoft-com:office:office" xmlns:v="urn:schemas-microsoft-com:vml" xmlns:pvml="urn:schemas-microsoft-com:office:powerpoint" xmlns:com="http://schemas.openxmlformats.org/drawingml/2006/compatibility" xmlns:p14="http://schemas.microsoft.com/office/powerpoint/2010/main" xmlns:p15="http://schemas.microsoft.com/office/powerpoint/2012/main" xmlns:ahyp="http://schemas.microsoft.com/office/drawing/2018/hyperlinkcolor" matchingName="Caption">
+<p:sldLayout xmlns:a="http://schemas.openxmlformats.org/drawingml/2006/main" xmlns:r="http://schemas.openxmlformats.org/officeDocument/2006/relationships" xmlns:p="http://schemas.openxmlformats.org/presentationml/2006/main" matchingName="Caption">
   <p:cSld name="CAPTION_ONLY">
     <p:spTree>
       <p:nvGrpSpPr>
-        <p:cNvPr id="41" name="Shape 41"/>
+        <p:cNvPr id="1" name="Shape 41"/>
         <p:cNvGrpSpPr/>
         <p:nvPr/>
       </p:nvGrpSpPr>
@@ -4625,9 +4746,11 @@
       <p:sp>
         <p:nvSpPr>
           <p:cNvPr id="42" name="Google Shape;42;p10"/>
-          <p:cNvSpPr txBox="1"/>
+          <p:cNvSpPr txBox="1">
+            <a:spLocks noGrp="1"/>
+          </p:cNvSpPr>
           <p:nvPr>
-            <p:ph idx="1" type="body"/>
+            <p:ph type="body" idx="1"/>
           </p:nvPr>
         </p:nvSpPr>
         <p:spPr>
@@ -4640,11 +4763,11 @@
           </a:prstGeom>
         </p:spPr>
         <p:txBody>
-          <a:bodyPr anchorCtr="0" anchor="ctr" bIns="91425" lIns="91425" spcFirstLastPara="1" rIns="91425" wrap="square" tIns="91425">
+          <a:bodyPr spcFirstLastPara="1" wrap="square" lIns="91425" tIns="91425" rIns="91425" bIns="91425" anchor="ctr" anchorCtr="0">
             <a:noAutofit/>
           </a:bodyPr>
           <a:lstStyle>
-            <a:lvl1pPr indent="-228600" lvl="0" marL="457200">
+            <a:lvl1pPr marL="457200" lvl="0" indent="-228600">
               <a:lnSpc>
                 <a:spcPct val="100000"/>
               </a:lnSpc>
@@ -4659,15 +4782,19 @@
               <a:defRPr/>
             </a:lvl1pPr>
           </a:lstStyle>
-          <a:p/>
+          <a:p>
+            <a:endParaRPr/>
+          </a:p>
         </p:txBody>
       </p:sp>
       <p:sp>
         <p:nvSpPr>
           <p:cNvPr id="43" name="Google Shape;43;p10"/>
-          <p:cNvSpPr txBox="1"/>
+          <p:cNvSpPr txBox="1">
+            <a:spLocks noGrp="1"/>
+          </p:cNvSpPr>
           <p:nvPr>
-            <p:ph idx="12" type="sldNum"/>
+            <p:ph type="sldNum" idx="12"/>
           </p:nvPr>
         </p:nvSpPr>
         <p:spPr>
@@ -4680,7 +4807,7 @@
           </a:prstGeom>
         </p:spPr>
         <p:txBody>
-          <a:bodyPr anchorCtr="0" anchor="ctr" bIns="91425" lIns="91425" spcFirstLastPara="1" rIns="91425" wrap="square" tIns="91425">
+          <a:bodyPr spcFirstLastPara="1" wrap="square" lIns="91425" tIns="91425" rIns="91425" bIns="91425" anchor="ctr" anchorCtr="0">
             <a:noAutofit/>
           </a:bodyPr>
           <a:lstStyle>
@@ -4722,7 +4849,7 @@
             </a:lvl9pPr>
           </a:lstStyle>
           <a:p>
-            <a:pPr indent="0" lvl="0" marL="0" rtl="0" algn="r">
+            <a:pPr marL="0" lvl="0" indent="0" algn="r" rtl="0">
               <a:spcBef>
                 <a:spcPts val="0"/>
               </a:spcBef>
@@ -4748,18 +4875,19 @@
 </file>
 
 <file path=ppt/slideMasters/slideMaster1.xml><?xml version="1.0" encoding="utf-8"?>
-<p:sldMaster xmlns:a="http://schemas.openxmlformats.org/drawingml/2006/main" xmlns:r="http://schemas.openxmlformats.org/officeDocument/2006/relationships" xmlns:mc="http://schemas.openxmlformats.org/markup-compatibility/2006" xmlns:mv="urn:schemas-microsoft-com:mac:vml" xmlns:p="http://schemas.openxmlformats.org/presentationml/2006/main" xmlns:c="http://schemas.openxmlformats.org/drawingml/2006/chart" xmlns:dgm="http://schemas.openxmlformats.org/drawingml/2006/diagram" xmlns:o="urn:schemas-microsoft-com:office:office" xmlns:v="urn:schemas-microsoft-com:vml" xmlns:pvml="urn:schemas-microsoft-com:office:powerpoint" xmlns:com="http://schemas.openxmlformats.org/drawingml/2006/compatibility" xmlns:p14="http://schemas.microsoft.com/office/powerpoint/2010/main" xmlns:p15="http://schemas.microsoft.com/office/powerpoint/2012/main" xmlns:ahyp="http://schemas.microsoft.com/office/drawing/2018/hyperlinkcolor">
+<p:sldMaster xmlns:a="http://schemas.openxmlformats.org/drawingml/2006/main" xmlns:r="http://schemas.openxmlformats.org/officeDocument/2006/relationships" xmlns:p="http://schemas.openxmlformats.org/presentationml/2006/main">
   <p:cSld name="simple-light-2">
     <p:bg>
       <p:bgPr>
         <a:solidFill>
           <a:schemeClr val="lt1"/>
         </a:solidFill>
+        <a:effectLst/>
       </p:bgPr>
     </p:bg>
     <p:spTree>
       <p:nvGrpSpPr>
-        <p:cNvPr id="5" name="Shape 5"/>
+        <p:cNvPr id="1" name="Shape 5"/>
         <p:cNvGrpSpPr/>
         <p:nvPr/>
       </p:nvGrpSpPr>
@@ -4774,7 +4902,9 @@
       <p:sp>
         <p:nvSpPr>
           <p:cNvPr id="6" name="Google Shape;6;p1"/>
-          <p:cNvSpPr txBox="1"/>
+          <p:cNvSpPr txBox="1">
+            <a:spLocks noGrp="1"/>
+          </p:cNvSpPr>
           <p:nvPr>
             <p:ph type="title"/>
           </p:nvPr>
@@ -4793,7 +4923,7 @@
           </a:ln>
         </p:spPr>
         <p:txBody>
-          <a:bodyPr anchorCtr="0" anchor="t" bIns="91425" lIns="91425" spcFirstLastPara="1" rIns="91425" wrap="square" tIns="91425">
+          <a:bodyPr spcFirstLastPara="1" wrap="square" lIns="91425" tIns="91425" rIns="91425" bIns="91425" anchor="t" anchorCtr="0">
             <a:noAutofit/>
           </a:bodyPr>
           <a:lstStyle>
@@ -4960,15 +5090,19 @@
               </a:defRPr>
             </a:lvl9pPr>
           </a:lstStyle>
-          <a:p/>
+          <a:p>
+            <a:endParaRPr/>
+          </a:p>
         </p:txBody>
       </p:sp>
       <p:sp>
         <p:nvSpPr>
           <p:cNvPr id="7" name="Google Shape;7;p1"/>
-          <p:cNvSpPr txBox="1"/>
+          <p:cNvSpPr txBox="1">
+            <a:spLocks noGrp="1"/>
+          </p:cNvSpPr>
           <p:nvPr>
-            <p:ph idx="1" type="body"/>
+            <p:ph type="body" idx="1"/>
           </p:nvPr>
         </p:nvSpPr>
         <p:spPr>
@@ -4985,11 +5119,11 @@
           </a:ln>
         </p:spPr>
         <p:txBody>
-          <a:bodyPr anchorCtr="0" anchor="t" bIns="91425" lIns="91425" spcFirstLastPara="1" rIns="91425" wrap="square" tIns="91425">
+          <a:bodyPr spcFirstLastPara="1" wrap="square" lIns="91425" tIns="91425" rIns="91425" bIns="91425" anchor="t" anchorCtr="0">
             <a:noAutofit/>
           </a:bodyPr>
           <a:lstStyle>
-            <a:lvl1pPr indent="-342900" lvl="0" marL="457200">
+            <a:lvl1pPr marL="457200" lvl="0" indent="-342900">
               <a:lnSpc>
                 <a:spcPct val="115000"/>
               </a:lnSpc>
@@ -5010,7 +5144,7 @@
                 </a:solidFill>
               </a:defRPr>
             </a:lvl1pPr>
-            <a:lvl2pPr indent="-317500" lvl="1" marL="914400">
+            <a:lvl2pPr marL="914400" lvl="1" indent="-317500">
               <a:lnSpc>
                 <a:spcPct val="115000"/>
               </a:lnSpc>
@@ -5031,7 +5165,7 @@
                 </a:solidFill>
               </a:defRPr>
             </a:lvl2pPr>
-            <a:lvl3pPr indent="-317500" lvl="2" marL="1371600">
+            <a:lvl3pPr marL="1371600" lvl="2" indent="-317500">
               <a:lnSpc>
                 <a:spcPct val="115000"/>
               </a:lnSpc>
@@ -5052,7 +5186,7 @@
                 </a:solidFill>
               </a:defRPr>
             </a:lvl3pPr>
-            <a:lvl4pPr indent="-317500" lvl="3" marL="1828800">
+            <a:lvl4pPr marL="1828800" lvl="3" indent="-317500">
               <a:lnSpc>
                 <a:spcPct val="115000"/>
               </a:lnSpc>
@@ -5073,7 +5207,7 @@
                 </a:solidFill>
               </a:defRPr>
             </a:lvl4pPr>
-            <a:lvl5pPr indent="-317500" lvl="4" marL="2286000">
+            <a:lvl5pPr marL="2286000" lvl="4" indent="-317500">
               <a:lnSpc>
                 <a:spcPct val="115000"/>
               </a:lnSpc>
@@ -5094,7 +5228,7 @@
                 </a:solidFill>
               </a:defRPr>
             </a:lvl5pPr>
-            <a:lvl6pPr indent="-317500" lvl="5" marL="2743200">
+            <a:lvl6pPr marL="2743200" lvl="5" indent="-317500">
               <a:lnSpc>
                 <a:spcPct val="115000"/>
               </a:lnSpc>
@@ -5115,7 +5249,7 @@
                 </a:solidFill>
               </a:defRPr>
             </a:lvl6pPr>
-            <a:lvl7pPr indent="-317500" lvl="6" marL="3200400">
+            <a:lvl7pPr marL="3200400" lvl="6" indent="-317500">
               <a:lnSpc>
                 <a:spcPct val="115000"/>
               </a:lnSpc>
@@ -5136,7 +5270,7 @@
                 </a:solidFill>
               </a:defRPr>
             </a:lvl7pPr>
-            <a:lvl8pPr indent="-317500" lvl="7" marL="3657600">
+            <a:lvl8pPr marL="3657600" lvl="7" indent="-317500">
               <a:lnSpc>
                 <a:spcPct val="115000"/>
               </a:lnSpc>
@@ -5157,7 +5291,7 @@
                 </a:solidFill>
               </a:defRPr>
             </a:lvl8pPr>
-            <a:lvl9pPr indent="-317500" lvl="8" marL="4114800">
+            <a:lvl9pPr marL="4114800" lvl="8" indent="-317500">
               <a:lnSpc>
                 <a:spcPct val="115000"/>
               </a:lnSpc>
@@ -5179,15 +5313,19 @@
               </a:defRPr>
             </a:lvl9pPr>
           </a:lstStyle>
-          <a:p/>
+          <a:p>
+            <a:endParaRPr/>
+          </a:p>
         </p:txBody>
       </p:sp>
       <p:sp>
         <p:nvSpPr>
           <p:cNvPr id="8" name="Google Shape;8;p1"/>
-          <p:cNvSpPr txBox="1"/>
+          <p:cNvSpPr txBox="1">
+            <a:spLocks noGrp="1"/>
+          </p:cNvSpPr>
           <p:nvPr>
-            <p:ph idx="12" type="sldNum"/>
+            <p:ph type="sldNum" idx="12"/>
           </p:nvPr>
         </p:nvSpPr>
         <p:spPr>
@@ -5204,7 +5342,7 @@
           </a:ln>
         </p:spPr>
         <p:txBody>
-          <a:bodyPr anchorCtr="0" anchor="ctr" bIns="91425" lIns="91425" spcFirstLastPara="1" rIns="91425" wrap="square" tIns="91425">
+          <a:bodyPr spcFirstLastPara="1" wrap="square" lIns="91425" tIns="91425" rIns="91425" bIns="91425" anchor="ctr" anchorCtr="0">
             <a:noAutofit/>
           </a:bodyPr>
           <a:lstStyle>
@@ -5282,7 +5420,7 @@
             </a:lvl9pPr>
           </a:lstStyle>
           <a:p>
-            <a:pPr indent="0" lvl="0" marL="0" rtl="0" algn="r">
+            <a:pPr marL="0" lvl="0" indent="0" algn="r" rtl="0">
               <a:spcBef>
                 <a:spcPts val="0"/>
               </a:spcBef>
@@ -5301,7 +5439,7 @@
       </p:sp>
     </p:spTree>
   </p:cSld>
-  <p:clrMap accent1="accent1" accent2="accent2" accent3="accent3" accent4="accent4" accent5="accent5" accent6="accent6" bg1="lt1" bg2="dk2" tx1="dk1" tx2="lt2" folHlink="folHlink" hlink="hlink"/>
+  <p:clrMap bg1="lt1" tx1="dk1" bg2="dk2" tx2="lt2" accent1="accent1" accent2="accent2" accent3="accent3" accent4="accent4" accent5="accent5" accent6="accent6" hlink="hlink" folHlink="folHlink"/>
   <p:sldLayoutIdLst>
     <p:sldLayoutId id="2147483648" r:id="rId1"/>
     <p:sldLayoutId id="2147483649" r:id="rId2"/>
@@ -5316,10 +5454,10 @@
     <p:sldLayoutId id="2147483658" r:id="rId11"/>
     <p:sldLayoutId id="2147483659" r:id="rId12"/>
   </p:sldLayoutIdLst>
-  <p:hf dt="0" ftr="0" hdr="0" sldNum="0"/>
+  <p:hf sldNum="0" hdr="0" ftr="0" dt="0"/>
   <p:txStyles>
     <p:titleStyle>
-      <a:defPPr lvl="0" marR="0" rtl="0" algn="l">
+      <a:defPPr marR="0" lvl="0" algn="l" rtl="0">
         <a:lnSpc>
           <a:spcPct val="100000"/>
         </a:lnSpc>
@@ -5330,7 +5468,7 @@
           <a:spcPts val="0"/>
         </a:spcAft>
       </a:defPPr>
-      <a:lvl1pPr lvl="0" marR="0" rtl="0" algn="l">
+      <a:lvl1pPr marR="0" lvl="0" algn="l" rtl="0">
         <a:lnSpc>
           <a:spcPct val="100000"/>
         </a:lnSpc>
@@ -5344,7 +5482,7 @@
           <a:srgbClr val="000000"/>
         </a:buClr>
         <a:buFont typeface="Arial"/>
-        <a:defRPr b="0" i="0" sz="1400" u="none" cap="none" strike="noStrike">
+        <a:defRPr sz="1400" b="0" i="0" u="none" strike="noStrike" cap="none">
           <a:solidFill>
             <a:srgbClr val="000000"/>
           </a:solidFill>
@@ -5354,7 +5492,7 @@
           <a:sym typeface="Arial"/>
         </a:defRPr>
       </a:lvl1pPr>
-      <a:lvl2pPr lvl="1" marR="0" rtl="0" algn="l">
+      <a:lvl2pPr marR="0" lvl="1" algn="l" rtl="0">
         <a:lnSpc>
           <a:spcPct val="100000"/>
         </a:lnSpc>
@@ -5368,7 +5506,7 @@
           <a:srgbClr val="000000"/>
         </a:buClr>
         <a:buFont typeface="Arial"/>
-        <a:defRPr b="0" i="0" sz="1400" u="none" cap="none" strike="noStrike">
+        <a:defRPr sz="1400" b="0" i="0" u="none" strike="noStrike" cap="none">
           <a:solidFill>
             <a:srgbClr val="000000"/>
           </a:solidFill>
@@ -5378,7 +5516,7 @@
           <a:sym typeface="Arial"/>
         </a:defRPr>
       </a:lvl2pPr>
-      <a:lvl3pPr lvl="2" marR="0" rtl="0" algn="l">
+      <a:lvl3pPr marR="0" lvl="2" algn="l" rtl="0">
         <a:lnSpc>
           <a:spcPct val="100000"/>
         </a:lnSpc>
@@ -5392,7 +5530,7 @@
           <a:srgbClr val="000000"/>
         </a:buClr>
         <a:buFont typeface="Arial"/>
-        <a:defRPr b="0" i="0" sz="1400" u="none" cap="none" strike="noStrike">
+        <a:defRPr sz="1400" b="0" i="0" u="none" strike="noStrike" cap="none">
           <a:solidFill>
             <a:srgbClr val="000000"/>
           </a:solidFill>
@@ -5402,7 +5540,7 @@
           <a:sym typeface="Arial"/>
         </a:defRPr>
       </a:lvl3pPr>
-      <a:lvl4pPr lvl="3" marR="0" rtl="0" algn="l">
+      <a:lvl4pPr marR="0" lvl="3" algn="l" rtl="0">
         <a:lnSpc>
           <a:spcPct val="100000"/>
         </a:lnSpc>
@@ -5416,7 +5554,7 @@
           <a:srgbClr val="000000"/>
         </a:buClr>
         <a:buFont typeface="Arial"/>
-        <a:defRPr b="0" i="0" sz="1400" u="none" cap="none" strike="noStrike">
+        <a:defRPr sz="1400" b="0" i="0" u="none" strike="noStrike" cap="none">
           <a:solidFill>
             <a:srgbClr val="000000"/>
           </a:solidFill>
@@ -5426,7 +5564,7 @@
           <a:sym typeface="Arial"/>
         </a:defRPr>
       </a:lvl4pPr>
-      <a:lvl5pPr lvl="4" marR="0" rtl="0" algn="l">
+      <a:lvl5pPr marR="0" lvl="4" algn="l" rtl="0">
         <a:lnSpc>
           <a:spcPct val="100000"/>
         </a:lnSpc>
@@ -5440,7 +5578,7 @@
           <a:srgbClr val="000000"/>
         </a:buClr>
         <a:buFont typeface="Arial"/>
-        <a:defRPr b="0" i="0" sz="1400" u="none" cap="none" strike="noStrike">
+        <a:defRPr sz="1400" b="0" i="0" u="none" strike="noStrike" cap="none">
           <a:solidFill>
             <a:srgbClr val="000000"/>
           </a:solidFill>
@@ -5450,7 +5588,7 @@
           <a:sym typeface="Arial"/>
         </a:defRPr>
       </a:lvl5pPr>
-      <a:lvl6pPr lvl="5" marR="0" rtl="0" algn="l">
+      <a:lvl6pPr marR="0" lvl="5" algn="l" rtl="0">
         <a:lnSpc>
           <a:spcPct val="100000"/>
         </a:lnSpc>
@@ -5464,7 +5602,7 @@
           <a:srgbClr val="000000"/>
         </a:buClr>
         <a:buFont typeface="Arial"/>
-        <a:defRPr b="0" i="0" sz="1400" u="none" cap="none" strike="noStrike">
+        <a:defRPr sz="1400" b="0" i="0" u="none" strike="noStrike" cap="none">
           <a:solidFill>
             <a:srgbClr val="000000"/>
           </a:solidFill>
@@ -5474,7 +5612,7 @@
           <a:sym typeface="Arial"/>
         </a:defRPr>
       </a:lvl6pPr>
-      <a:lvl7pPr lvl="6" marR="0" rtl="0" algn="l">
+      <a:lvl7pPr marR="0" lvl="6" algn="l" rtl="0">
         <a:lnSpc>
           <a:spcPct val="100000"/>
         </a:lnSpc>
@@ -5488,7 +5626,7 @@
           <a:srgbClr val="000000"/>
         </a:buClr>
         <a:buFont typeface="Arial"/>
-        <a:defRPr b="0" i="0" sz="1400" u="none" cap="none" strike="noStrike">
+        <a:defRPr sz="1400" b="0" i="0" u="none" strike="noStrike" cap="none">
           <a:solidFill>
             <a:srgbClr val="000000"/>
           </a:solidFill>
@@ -5498,7 +5636,7 @@
           <a:sym typeface="Arial"/>
         </a:defRPr>
       </a:lvl7pPr>
-      <a:lvl8pPr lvl="7" marR="0" rtl="0" algn="l">
+      <a:lvl8pPr marR="0" lvl="7" algn="l" rtl="0">
         <a:lnSpc>
           <a:spcPct val="100000"/>
         </a:lnSpc>
@@ -5512,7 +5650,7 @@
           <a:srgbClr val="000000"/>
         </a:buClr>
         <a:buFont typeface="Arial"/>
-        <a:defRPr b="0" i="0" sz="1400" u="none" cap="none" strike="noStrike">
+        <a:defRPr sz="1400" b="0" i="0" u="none" strike="noStrike" cap="none">
           <a:solidFill>
             <a:srgbClr val="000000"/>
           </a:solidFill>
@@ -5522,7 +5660,7 @@
           <a:sym typeface="Arial"/>
         </a:defRPr>
       </a:lvl8pPr>
-      <a:lvl9pPr lvl="8" marR="0" rtl="0" algn="l">
+      <a:lvl9pPr marR="0" lvl="8" algn="l" rtl="0">
         <a:lnSpc>
           <a:spcPct val="100000"/>
         </a:lnSpc>
@@ -5536,7 +5674,7 @@
           <a:srgbClr val="000000"/>
         </a:buClr>
         <a:buFont typeface="Arial"/>
-        <a:defRPr b="0" i="0" sz="1400" u="none" cap="none" strike="noStrike">
+        <a:defRPr sz="1400" b="0" i="0" u="none" strike="noStrike" cap="none">
           <a:solidFill>
             <a:srgbClr val="000000"/>
           </a:solidFill>
@@ -5548,7 +5686,7 @@
       </a:lvl9pPr>
     </p:titleStyle>
     <p:bodyStyle>
-      <a:defPPr lvl="0" marR="0" rtl="0" algn="l">
+      <a:defPPr marR="0" lvl="0" algn="l" rtl="0">
         <a:lnSpc>
           <a:spcPct val="100000"/>
         </a:lnSpc>
@@ -5559,7 +5697,7 @@
           <a:spcPts val="0"/>
         </a:spcAft>
       </a:defPPr>
-      <a:lvl1pPr lvl="0" marR="0" rtl="0" algn="l">
+      <a:lvl1pPr marR="0" lvl="0" algn="l" rtl="0">
         <a:lnSpc>
           <a:spcPct val="100000"/>
         </a:lnSpc>
@@ -5573,7 +5711,7 @@
           <a:srgbClr val="000000"/>
         </a:buClr>
         <a:buFont typeface="Arial"/>
-        <a:defRPr b="0" i="0" sz="1400" u="none" cap="none" strike="noStrike">
+        <a:defRPr sz="1400" b="0" i="0" u="none" strike="noStrike" cap="none">
           <a:solidFill>
             <a:srgbClr val="000000"/>
           </a:solidFill>
@@ -5583,7 +5721,7 @@
           <a:sym typeface="Arial"/>
         </a:defRPr>
       </a:lvl1pPr>
-      <a:lvl2pPr lvl="1" marR="0" rtl="0" algn="l">
+      <a:lvl2pPr marR="0" lvl="1" algn="l" rtl="0">
         <a:lnSpc>
           <a:spcPct val="100000"/>
         </a:lnSpc>
@@ -5597,7 +5735,7 @@
           <a:srgbClr val="000000"/>
         </a:buClr>
         <a:buFont typeface="Arial"/>
-        <a:defRPr b="0" i="0" sz="1400" u="none" cap="none" strike="noStrike">
+        <a:defRPr sz="1400" b="0" i="0" u="none" strike="noStrike" cap="none">
           <a:solidFill>
             <a:srgbClr val="000000"/>
           </a:solidFill>
@@ -5607,7 +5745,7 @@
           <a:sym typeface="Arial"/>
         </a:defRPr>
       </a:lvl2pPr>
-      <a:lvl3pPr lvl="2" marR="0" rtl="0" algn="l">
+      <a:lvl3pPr marR="0" lvl="2" algn="l" rtl="0">
         <a:lnSpc>
           <a:spcPct val="100000"/>
         </a:lnSpc>
@@ -5621,7 +5759,7 @@
           <a:srgbClr val="000000"/>
         </a:buClr>
         <a:buFont typeface="Arial"/>
-        <a:defRPr b="0" i="0" sz="1400" u="none" cap="none" strike="noStrike">
+        <a:defRPr sz="1400" b="0" i="0" u="none" strike="noStrike" cap="none">
           <a:solidFill>
             <a:srgbClr val="000000"/>
           </a:solidFill>
@@ -5631,7 +5769,7 @@
           <a:sym typeface="Arial"/>
         </a:defRPr>
       </a:lvl3pPr>
-      <a:lvl4pPr lvl="3" marR="0" rtl="0" algn="l">
+      <a:lvl4pPr marR="0" lvl="3" algn="l" rtl="0">
         <a:lnSpc>
           <a:spcPct val="100000"/>
         </a:lnSpc>
@@ -5645,7 +5783,7 @@
           <a:srgbClr val="000000"/>
         </a:buClr>
         <a:buFont typeface="Arial"/>
-        <a:defRPr b="0" i="0" sz="1400" u="none" cap="none" strike="noStrike">
+        <a:defRPr sz="1400" b="0" i="0" u="none" strike="noStrike" cap="none">
           <a:solidFill>
             <a:srgbClr val="000000"/>
           </a:solidFill>
@@ -5655,7 +5793,7 @@
           <a:sym typeface="Arial"/>
         </a:defRPr>
       </a:lvl4pPr>
-      <a:lvl5pPr lvl="4" marR="0" rtl="0" algn="l">
+      <a:lvl5pPr marR="0" lvl="4" algn="l" rtl="0">
         <a:lnSpc>
           <a:spcPct val="100000"/>
         </a:lnSpc>
@@ -5669,7 +5807,7 @@
           <a:srgbClr val="000000"/>
         </a:buClr>
         <a:buFont typeface="Arial"/>
-        <a:defRPr b="0" i="0" sz="1400" u="none" cap="none" strike="noStrike">
+        <a:defRPr sz="1400" b="0" i="0" u="none" strike="noStrike" cap="none">
           <a:solidFill>
             <a:srgbClr val="000000"/>
           </a:solidFill>
@@ -5679,7 +5817,7 @@
           <a:sym typeface="Arial"/>
         </a:defRPr>
       </a:lvl5pPr>
-      <a:lvl6pPr lvl="5" marR="0" rtl="0" algn="l">
+      <a:lvl6pPr marR="0" lvl="5" algn="l" rtl="0">
         <a:lnSpc>
           <a:spcPct val="100000"/>
         </a:lnSpc>
@@ -5693,7 +5831,7 @@
           <a:srgbClr val="000000"/>
         </a:buClr>
         <a:buFont typeface="Arial"/>
-        <a:defRPr b="0" i="0" sz="1400" u="none" cap="none" strike="noStrike">
+        <a:defRPr sz="1400" b="0" i="0" u="none" strike="noStrike" cap="none">
           <a:solidFill>
             <a:srgbClr val="000000"/>
           </a:solidFill>
@@ -5703,7 +5841,7 @@
           <a:sym typeface="Arial"/>
         </a:defRPr>
       </a:lvl6pPr>
-      <a:lvl7pPr lvl="6" marR="0" rtl="0" algn="l">
+      <a:lvl7pPr marR="0" lvl="6" algn="l" rtl="0">
         <a:lnSpc>
           <a:spcPct val="100000"/>
         </a:lnSpc>
@@ -5717,7 +5855,7 @@
           <a:srgbClr val="000000"/>
         </a:buClr>
         <a:buFont typeface="Arial"/>
-        <a:defRPr b="0" i="0" sz="1400" u="none" cap="none" strike="noStrike">
+        <a:defRPr sz="1400" b="0" i="0" u="none" strike="noStrike" cap="none">
           <a:solidFill>
             <a:srgbClr val="000000"/>
           </a:solidFill>
@@ -5727,7 +5865,7 @@
           <a:sym typeface="Arial"/>
         </a:defRPr>
       </a:lvl7pPr>
-      <a:lvl8pPr lvl="7" marR="0" rtl="0" algn="l">
+      <a:lvl8pPr marR="0" lvl="7" algn="l" rtl="0">
         <a:lnSpc>
           <a:spcPct val="100000"/>
         </a:lnSpc>
@@ -5741,7 +5879,7 @@
           <a:srgbClr val="000000"/>
         </a:buClr>
         <a:buFont typeface="Arial"/>
-        <a:defRPr b="0" i="0" sz="1400" u="none" cap="none" strike="noStrike">
+        <a:defRPr sz="1400" b="0" i="0" u="none" strike="noStrike" cap="none">
           <a:solidFill>
             <a:srgbClr val="000000"/>
           </a:solidFill>
@@ -5751,7 +5889,7 @@
           <a:sym typeface="Arial"/>
         </a:defRPr>
       </a:lvl8pPr>
-      <a:lvl9pPr lvl="8" marR="0" rtl="0" algn="l">
+      <a:lvl9pPr marR="0" lvl="8" algn="l" rtl="0">
         <a:lnSpc>
           <a:spcPct val="100000"/>
         </a:lnSpc>
@@ -5765,7 +5903,7 @@
           <a:srgbClr val="000000"/>
         </a:buClr>
         <a:buFont typeface="Arial"/>
-        <a:defRPr b="0" i="0" sz="1400" u="none" cap="none" strike="noStrike">
+        <a:defRPr sz="1400" b="0" i="0" u="none" strike="noStrike" cap="none">
           <a:solidFill>
             <a:srgbClr val="000000"/>
           </a:solidFill>
@@ -5777,7 +5915,7 @@
       </a:lvl9pPr>
     </p:bodyStyle>
     <p:otherStyle>
-      <a:defPPr lvl="0" marR="0" rtl="0" algn="l">
+      <a:defPPr marR="0" lvl="0" algn="l" rtl="0">
         <a:lnSpc>
           <a:spcPct val="100000"/>
         </a:lnSpc>
@@ -5788,7 +5926,7 @@
           <a:spcPts val="0"/>
         </a:spcAft>
       </a:defPPr>
-      <a:lvl1pPr lvl="0" marR="0" rtl="0" algn="l">
+      <a:lvl1pPr marR="0" lvl="0" algn="l" rtl="0">
         <a:lnSpc>
           <a:spcPct val="100000"/>
         </a:lnSpc>
@@ -5802,7 +5940,7 @@
           <a:srgbClr val="000000"/>
         </a:buClr>
         <a:buFont typeface="Arial"/>
-        <a:defRPr b="0" i="0" sz="1400" u="none" cap="none" strike="noStrike">
+        <a:defRPr sz="1400" b="0" i="0" u="none" strike="noStrike" cap="none">
           <a:solidFill>
             <a:srgbClr val="000000"/>
           </a:solidFill>
@@ -5812,7 +5950,7 @@
           <a:sym typeface="Arial"/>
         </a:defRPr>
       </a:lvl1pPr>
-      <a:lvl2pPr lvl="1" marR="0" rtl="0" algn="l">
+      <a:lvl2pPr marR="0" lvl="1" algn="l" rtl="0">
         <a:lnSpc>
           <a:spcPct val="100000"/>
         </a:lnSpc>
@@ -5826,7 +5964,7 @@
           <a:srgbClr val="000000"/>
         </a:buClr>
         <a:buFont typeface="Arial"/>
-        <a:defRPr b="0" i="0" sz="1400" u="none" cap="none" strike="noStrike">
+        <a:defRPr sz="1400" b="0" i="0" u="none" strike="noStrike" cap="none">
           <a:solidFill>
             <a:srgbClr val="000000"/>
           </a:solidFill>
@@ -5836,7 +5974,7 @@
           <a:sym typeface="Arial"/>
         </a:defRPr>
       </a:lvl2pPr>
-      <a:lvl3pPr lvl="2" marR="0" rtl="0" algn="l">
+      <a:lvl3pPr marR="0" lvl="2" algn="l" rtl="0">
         <a:lnSpc>
           <a:spcPct val="100000"/>
         </a:lnSpc>
@@ -5850,7 +5988,7 @@
           <a:srgbClr val="000000"/>
         </a:buClr>
         <a:buFont typeface="Arial"/>
-        <a:defRPr b="0" i="0" sz="1400" u="none" cap="none" strike="noStrike">
+        <a:defRPr sz="1400" b="0" i="0" u="none" strike="noStrike" cap="none">
           <a:solidFill>
             <a:srgbClr val="000000"/>
           </a:solidFill>
@@ -5860,7 +5998,7 @@
           <a:sym typeface="Arial"/>
         </a:defRPr>
       </a:lvl3pPr>
-      <a:lvl4pPr lvl="3" marR="0" rtl="0" algn="l">
+      <a:lvl4pPr marR="0" lvl="3" algn="l" rtl="0">
         <a:lnSpc>
           <a:spcPct val="100000"/>
         </a:lnSpc>
@@ -5874,7 +6012,7 @@
           <a:srgbClr val="000000"/>
         </a:buClr>
         <a:buFont typeface="Arial"/>
-        <a:defRPr b="0" i="0" sz="1400" u="none" cap="none" strike="noStrike">
+        <a:defRPr sz="1400" b="0" i="0" u="none" strike="noStrike" cap="none">
           <a:solidFill>
             <a:srgbClr val="000000"/>
           </a:solidFill>
@@ -5884,7 +6022,7 @@
           <a:sym typeface="Arial"/>
         </a:defRPr>
       </a:lvl4pPr>
-      <a:lvl5pPr lvl="4" marR="0" rtl="0" algn="l">
+      <a:lvl5pPr marR="0" lvl="4" algn="l" rtl="0">
         <a:lnSpc>
           <a:spcPct val="100000"/>
         </a:lnSpc>
@@ -5898,7 +6036,7 @@
           <a:srgbClr val="000000"/>
         </a:buClr>
         <a:buFont typeface="Arial"/>
-        <a:defRPr b="0" i="0" sz="1400" u="none" cap="none" strike="noStrike">
+        <a:defRPr sz="1400" b="0" i="0" u="none" strike="noStrike" cap="none">
           <a:solidFill>
             <a:srgbClr val="000000"/>
           </a:solidFill>
@@ -5908,7 +6046,7 @@
           <a:sym typeface="Arial"/>
         </a:defRPr>
       </a:lvl5pPr>
-      <a:lvl6pPr lvl="5" marR="0" rtl="0" algn="l">
+      <a:lvl6pPr marR="0" lvl="5" algn="l" rtl="0">
         <a:lnSpc>
           <a:spcPct val="100000"/>
         </a:lnSpc>
@@ -5922,7 +6060,7 @@
           <a:srgbClr val="000000"/>
         </a:buClr>
         <a:buFont typeface="Arial"/>
-        <a:defRPr b="0" i="0" sz="1400" u="none" cap="none" strike="noStrike">
+        <a:defRPr sz="1400" b="0" i="0" u="none" strike="noStrike" cap="none">
           <a:solidFill>
             <a:srgbClr val="000000"/>
           </a:solidFill>
@@ -5932,7 +6070,7 @@
           <a:sym typeface="Arial"/>
         </a:defRPr>
       </a:lvl6pPr>
-      <a:lvl7pPr lvl="6" marR="0" rtl="0" algn="l">
+      <a:lvl7pPr marR="0" lvl="6" algn="l" rtl="0">
         <a:lnSpc>
           <a:spcPct val="100000"/>
         </a:lnSpc>
@@ -5946,7 +6084,7 @@
           <a:srgbClr val="000000"/>
         </a:buClr>
         <a:buFont typeface="Arial"/>
-        <a:defRPr b="0" i="0" sz="1400" u="none" cap="none" strike="noStrike">
+        <a:defRPr sz="1400" b="0" i="0" u="none" strike="noStrike" cap="none">
           <a:solidFill>
             <a:srgbClr val="000000"/>
           </a:solidFill>
@@ -5956,7 +6094,7 @@
           <a:sym typeface="Arial"/>
         </a:defRPr>
       </a:lvl7pPr>
-      <a:lvl8pPr lvl="7" marR="0" rtl="0" algn="l">
+      <a:lvl8pPr marR="0" lvl="7" algn="l" rtl="0">
         <a:lnSpc>
           <a:spcPct val="100000"/>
         </a:lnSpc>
@@ -5970,7 +6108,7 @@
           <a:srgbClr val="000000"/>
         </a:buClr>
         <a:buFont typeface="Arial"/>
-        <a:defRPr b="0" i="0" sz="1400" u="none" cap="none" strike="noStrike">
+        <a:defRPr sz="1400" b="0" i="0" u="none" strike="noStrike" cap="none">
           <a:solidFill>
             <a:srgbClr val="000000"/>
           </a:solidFill>
@@ -5980,7 +6118,7 @@
           <a:sym typeface="Arial"/>
         </a:defRPr>
       </a:lvl8pPr>
-      <a:lvl9pPr lvl="8" marR="0" rtl="0" algn="l">
+      <a:lvl9pPr marR="0" lvl="8" algn="l" rtl="0">
         <a:lnSpc>
           <a:spcPct val="100000"/>
         </a:lnSpc>
@@ -5994,7 +6132,7 @@
           <a:srgbClr val="000000"/>
         </a:buClr>
         <a:buFont typeface="Arial"/>
-        <a:defRPr b="0" i="0" sz="1400" u="none" cap="none" strike="noStrike">
+        <a:defRPr sz="1400" b="0" i="0" u="none" strike="noStrike" cap="none">
           <a:solidFill>
             <a:srgbClr val="000000"/>
           </a:solidFill>
@@ -6010,11 +6148,11 @@
 </file>
 
 <file path=ppt/slides/slide1.xml><?xml version="1.0" encoding="utf-8"?>
-<p:sld xmlns:a="http://schemas.openxmlformats.org/drawingml/2006/main" xmlns:r="http://schemas.openxmlformats.org/officeDocument/2006/relationships" xmlns:mc="http://schemas.openxmlformats.org/markup-compatibility/2006" xmlns:mv="urn:schemas-microsoft-com:mac:vml" xmlns:p="http://schemas.openxmlformats.org/presentationml/2006/main" xmlns:c="http://schemas.openxmlformats.org/drawingml/2006/chart" xmlns:dgm="http://schemas.openxmlformats.org/drawingml/2006/diagram" xmlns:o="urn:schemas-microsoft-com:office:office" xmlns:v="urn:schemas-microsoft-com:vml" xmlns:pvml="urn:schemas-microsoft-com:office:powerpoint" xmlns:com="http://schemas.openxmlformats.org/drawingml/2006/compatibility" xmlns:p14="http://schemas.microsoft.com/office/powerpoint/2010/main" xmlns:p15="http://schemas.microsoft.com/office/powerpoint/2012/main" xmlns:ahyp="http://schemas.microsoft.com/office/drawing/2018/hyperlinkcolor">
+<p:sld xmlns:a="http://schemas.openxmlformats.org/drawingml/2006/main" xmlns:r="http://schemas.openxmlformats.org/officeDocument/2006/relationships" xmlns:p="http://schemas.openxmlformats.org/presentationml/2006/main">
   <p:cSld>
     <p:spTree>
       <p:nvGrpSpPr>
-        <p:cNvPr id="56" name="Shape 56"/>
+        <p:cNvPr id="1" name="Shape 56"/>
         <p:cNvGrpSpPr/>
         <p:nvPr/>
       </p:nvGrpSpPr>
@@ -6029,7 +6167,9 @@
       <p:sp>
         <p:nvSpPr>
           <p:cNvPr id="57" name="Google Shape;57;p14"/>
-          <p:cNvSpPr txBox="1"/>
+          <p:cNvSpPr txBox="1">
+            <a:spLocks noGrp="1"/>
+          </p:cNvSpPr>
           <p:nvPr>
             <p:ph type="ctrTitle"/>
           </p:nvPr>
@@ -6047,12 +6187,12 @@
           </a:solidFill>
         </p:spPr>
         <p:txBody>
-          <a:bodyPr anchorCtr="0" anchor="b" bIns="91425" lIns="91425" spcFirstLastPara="1" rIns="91425" wrap="square" tIns="91425">
+          <a:bodyPr spcFirstLastPara="1" wrap="square" lIns="91425" tIns="91425" rIns="91425" bIns="91425" anchor="b" anchorCtr="0">
             <a:noAutofit/>
           </a:bodyPr>
           <a:lstStyle/>
           <a:p>
-            <a:pPr indent="0" lvl="0" marL="0" rtl="0" algn="ctr">
+            <a:pPr marL="0" lvl="0" indent="0" algn="ctr" rtl="0">
               <a:spcBef>
                 <a:spcPts val="0"/>
               </a:spcBef>
@@ -6062,7 +6202,7 @@
               <a:buNone/>
             </a:pPr>
             <a:r>
-              <a:rPr b="1" lang="ko">
+              <a:rPr lang="ko" b="1">
                 <a:solidFill>
                   <a:srgbClr val="FFFFFF"/>
                 </a:solidFill>
@@ -6085,130 +6225,6 @@
           </a:p>
         </p:txBody>
       </p:sp>
-      <p:sp>
-        <p:nvSpPr>
-          <p:cNvPr id="58" name="Google Shape;58;p14"/>
-          <p:cNvSpPr txBox="1"/>
-          <p:nvPr>
-            <p:ph idx="1" type="subTitle"/>
-          </p:nvPr>
-        </p:nvSpPr>
-        <p:spPr>
-          <a:xfrm>
-            <a:off x="311700" y="3275425"/>
-            <a:ext cx="8520600" cy="792600"/>
-          </a:xfrm>
-          <a:prstGeom prst="rect">
-            <a:avLst/>
-          </a:prstGeom>
-        </p:spPr>
-        <p:txBody>
-          <a:bodyPr anchorCtr="0" anchor="t" bIns="91425" lIns="91425" spcFirstLastPara="1" rIns="91425" wrap="square" tIns="91425">
-            <a:noAutofit/>
-          </a:bodyPr>
-          <a:lstStyle/>
-          <a:p>
-            <a:pPr indent="0" lvl="0" marL="0" rtl="0" algn="ctr">
-              <a:spcBef>
-                <a:spcPts val="0"/>
-              </a:spcBef>
-              <a:spcAft>
-                <a:spcPts val="0"/>
-              </a:spcAft>
-              <a:buClr>
-                <a:schemeClr val="dk1"/>
-              </a:buClr>
-              <a:buSzPts val="1100"/>
-              <a:buFont typeface="Arial"/>
-              <a:buNone/>
-            </a:pPr>
-            <a:r>
-              <a:rPr lang="ko">
-                <a:solidFill>
-                  <a:schemeClr val="dk1"/>
-                </a:solidFill>
-                <a:latin typeface="Verdana"/>
-                <a:ea typeface="Verdana"/>
-                <a:cs typeface="Verdana"/>
-                <a:sym typeface="Verdana"/>
-              </a:rPr>
-              <a:t>모두의연구소 Rubato Lab.</a:t>
-            </a:r>
-            <a:endParaRPr>
-              <a:solidFill>
-                <a:schemeClr val="dk1"/>
-              </a:solidFill>
-              <a:latin typeface="Verdana"/>
-              <a:ea typeface="Verdana"/>
-              <a:cs typeface="Verdana"/>
-              <a:sym typeface="Verdana"/>
-            </a:endParaRPr>
-          </a:p>
-          <a:p>
-            <a:pPr indent="0" lvl="0" marL="0" rtl="0" algn="ctr">
-              <a:spcBef>
-                <a:spcPts val="0"/>
-              </a:spcBef>
-              <a:spcAft>
-                <a:spcPts val="0"/>
-              </a:spcAft>
-              <a:buClr>
-                <a:schemeClr val="dk1"/>
-              </a:buClr>
-              <a:buSzPts val="1100"/>
-              <a:buFont typeface="Arial"/>
-              <a:buNone/>
-            </a:pPr>
-            <a:r>
-              <a:rPr b="1" lang="ko">
-                <a:solidFill>
-                  <a:schemeClr val="dk1"/>
-                </a:solidFill>
-                <a:latin typeface="Verdana"/>
-                <a:ea typeface="Verdana"/>
-                <a:cs typeface="Verdana"/>
-                <a:sym typeface="Verdana"/>
-              </a:rPr>
-              <a:t>소준섭</a:t>
-            </a:r>
-            <a:endParaRPr b="1">
-              <a:solidFill>
-                <a:schemeClr val="dk1"/>
-              </a:solidFill>
-              <a:latin typeface="Verdana"/>
-              <a:ea typeface="Verdana"/>
-              <a:cs typeface="Verdana"/>
-              <a:sym typeface="Verdana"/>
-            </a:endParaRPr>
-          </a:p>
-          <a:p>
-            <a:pPr indent="0" lvl="0" marL="0" marR="0" rtl="0" algn="ctr">
-              <a:lnSpc>
-                <a:spcPct val="100000"/>
-              </a:lnSpc>
-              <a:spcBef>
-                <a:spcPts val="0"/>
-              </a:spcBef>
-              <a:spcAft>
-                <a:spcPts val="0"/>
-              </a:spcAft>
-              <a:buNone/>
-            </a:pPr>
-            <a:r>
-              <a:t/>
-            </a:r>
-            <a:endParaRPr>
-              <a:solidFill>
-                <a:srgbClr val="000000"/>
-              </a:solidFill>
-              <a:latin typeface="Verdana"/>
-              <a:ea typeface="Verdana"/>
-              <a:cs typeface="Verdana"/>
-              <a:sym typeface="Verdana"/>
-            </a:endParaRPr>
-          </a:p>
-        </p:txBody>
-      </p:sp>
       <p:pic>
         <p:nvPicPr>
           <p:cNvPr id="59" name="Google Shape;59;p14"/>
@@ -6219,7 +6235,7 @@
           <a:blip r:embed="rId3">
             <a:alphaModFix/>
           </a:blip>
-          <a:srcRect b="0" l="0" r="82409" t="0"/>
+          <a:srcRect r="82409"/>
           <a:stretch/>
         </p:blipFill>
         <p:spPr>
@@ -6245,11 +6261,11 @@
 </file>
 
 <file path=ppt/slides/slide2.xml><?xml version="1.0" encoding="utf-8"?>
-<p:sld xmlns:a="http://schemas.openxmlformats.org/drawingml/2006/main" xmlns:r="http://schemas.openxmlformats.org/officeDocument/2006/relationships" xmlns:mc="http://schemas.openxmlformats.org/markup-compatibility/2006" xmlns:mv="urn:schemas-microsoft-com:mac:vml" xmlns:p="http://schemas.openxmlformats.org/presentationml/2006/main" xmlns:c="http://schemas.openxmlformats.org/drawingml/2006/chart" xmlns:dgm="http://schemas.openxmlformats.org/drawingml/2006/diagram" xmlns:o="urn:schemas-microsoft-com:office:office" xmlns:v="urn:schemas-microsoft-com:vml" xmlns:pvml="urn:schemas-microsoft-com:office:powerpoint" xmlns:com="http://schemas.openxmlformats.org/drawingml/2006/compatibility" xmlns:p14="http://schemas.microsoft.com/office/powerpoint/2010/main" xmlns:p15="http://schemas.microsoft.com/office/powerpoint/2012/main" xmlns:ahyp="http://schemas.microsoft.com/office/drawing/2018/hyperlinkcolor">
+<p:sld xmlns:a="http://schemas.openxmlformats.org/drawingml/2006/main" xmlns:r="http://schemas.openxmlformats.org/officeDocument/2006/relationships" xmlns:p="http://schemas.openxmlformats.org/presentationml/2006/main">
   <p:cSld>
     <p:spTree>
       <p:nvGrpSpPr>
-        <p:cNvPr id="63" name="Shape 63"/>
+        <p:cNvPr id="1" name="Shape 63"/>
         <p:cNvGrpSpPr/>
         <p:nvPr/>
       </p:nvGrpSpPr>
@@ -6264,7 +6280,9 @@
       <p:sp>
         <p:nvSpPr>
           <p:cNvPr id="64" name="Google Shape;64;p15"/>
-          <p:cNvSpPr txBox="1"/>
+          <p:cNvSpPr txBox="1">
+            <a:spLocks noGrp="1"/>
+          </p:cNvSpPr>
           <p:nvPr>
             <p:ph type="title"/>
           </p:nvPr>
@@ -6279,12 +6297,12 @@
           </a:prstGeom>
         </p:spPr>
         <p:txBody>
-          <a:bodyPr anchorCtr="0" anchor="t" bIns="91425" lIns="91425" spcFirstLastPara="1" rIns="91425" wrap="square" tIns="91425">
+          <a:bodyPr spcFirstLastPara="1" wrap="square" lIns="91425" tIns="91425" rIns="91425" bIns="91425" anchor="t" anchorCtr="0">
             <a:noAutofit/>
           </a:bodyPr>
           <a:lstStyle/>
           <a:p>
-            <a:pPr indent="0" lvl="0" marL="0" rtl="0" algn="l">
+            <a:pPr marL="0" lvl="0" indent="0" algn="l" rtl="0">
               <a:spcBef>
                 <a:spcPts val="0"/>
               </a:spcBef>
@@ -6294,7 +6312,7 @@
               <a:buNone/>
             </a:pPr>
             <a:r>
-              <a:rPr b="1" lang="ko">
+              <a:rPr lang="ko" b="1">
                 <a:latin typeface="Verdana"/>
                 <a:ea typeface="Verdana"/>
                 <a:cs typeface="Verdana"/>
@@ -6314,9 +6332,11 @@
       <p:sp>
         <p:nvSpPr>
           <p:cNvPr id="65" name="Google Shape;65;p15"/>
-          <p:cNvSpPr txBox="1"/>
+          <p:cNvSpPr txBox="1">
+            <a:spLocks noGrp="1"/>
+          </p:cNvSpPr>
           <p:nvPr>
-            <p:ph idx="1" type="body"/>
+            <p:ph type="body" idx="1"/>
           </p:nvPr>
         </p:nvSpPr>
         <p:spPr>
@@ -6329,12 +6349,12 @@
           </a:prstGeom>
         </p:spPr>
         <p:txBody>
-          <a:bodyPr anchorCtr="0" anchor="t" bIns="91425" lIns="91425" spcFirstLastPara="1" rIns="91425" wrap="square" tIns="91425">
+          <a:bodyPr spcFirstLastPara="1" wrap="square" lIns="91425" tIns="91425" rIns="91425" bIns="91425" anchor="t" anchorCtr="0">
             <a:noAutofit/>
           </a:bodyPr>
           <a:lstStyle/>
           <a:p>
-            <a:pPr indent="-336550" lvl="0" marL="457200" rtl="0" algn="l">
+            <a:pPr marL="457200" lvl="0" indent="-336550" algn="l" rtl="0">
               <a:lnSpc>
                 <a:spcPct val="115000"/>
               </a:lnSpc>
@@ -6352,7 +6372,7 @@
               <a:buChar char="●"/>
             </a:pPr>
             <a:r>
-              <a:rPr b="1" lang="ko" sz="1700">
+              <a:rPr lang="ko" sz="1700" b="1">
                 <a:solidFill>
                   <a:schemeClr val="dk1"/>
                 </a:solidFill>
@@ -6363,7 +6383,7 @@
               </a:rPr>
               <a:t>Tensorflow layers</a:t>
             </a:r>
-            <a:endParaRPr b="1" sz="1700">
+            <a:endParaRPr sz="1700" b="1">
               <a:solidFill>
                 <a:schemeClr val="dk1"/>
               </a:solidFill>
@@ -6374,7 +6394,7 @@
             </a:endParaRPr>
           </a:p>
           <a:p>
-            <a:pPr indent="-336550" lvl="1" marL="914400" rtl="0" algn="l">
+            <a:pPr marL="914400" lvl="1" indent="-336550" algn="l" rtl="0">
               <a:lnSpc>
                 <a:spcPct val="115000"/>
               </a:lnSpc>
@@ -6414,7 +6434,7 @@
             </a:endParaRPr>
           </a:p>
           <a:p>
-            <a:pPr indent="-336550" lvl="1" marL="914400" rtl="0" algn="l">
+            <a:pPr marL="914400" lvl="1" indent="-336550" algn="l" rtl="0">
               <a:lnSpc>
                 <a:spcPct val="115000"/>
               </a:lnSpc>
@@ -6465,7 +6485,7 @@
             </a:endParaRPr>
           </a:p>
           <a:p>
-            <a:pPr indent="-336550" lvl="0" marL="457200" rtl="0" algn="l">
+            <a:pPr marL="457200" lvl="0" indent="-336550" algn="l" rtl="0">
               <a:lnSpc>
                 <a:spcPct val="115000"/>
               </a:lnSpc>
@@ -6483,7 +6503,7 @@
               <a:buChar char="●"/>
             </a:pPr>
             <a:r>
-              <a:rPr b="1" lang="ko" sz="1700">
+              <a:rPr lang="ko" sz="1700" b="1">
                 <a:solidFill>
                   <a:schemeClr val="dk1"/>
                 </a:solidFill>
@@ -6494,7 +6514,7 @@
               </a:rPr>
               <a:t>실습</a:t>
             </a:r>
-            <a:endParaRPr b="1" sz="1700">
+            <a:endParaRPr sz="1700" b="1">
               <a:solidFill>
                 <a:schemeClr val="dk1"/>
               </a:solidFill>
@@ -6505,7 +6525,7 @@
             </a:endParaRPr>
           </a:p>
           <a:p>
-            <a:pPr indent="-336550" lvl="1" marL="914400" rtl="0" algn="l">
+            <a:pPr marL="914400" lvl="1" indent="-336550" algn="l" rtl="0">
               <a:lnSpc>
                 <a:spcPct val="115000"/>
               </a:lnSpc>
@@ -6556,7 +6576,7 @@
           <a:blip r:embed="rId3">
             <a:alphaModFix/>
           </a:blip>
-          <a:srcRect b="0" l="0" r="82409" t="0"/>
+          <a:srcRect r="82409"/>
           <a:stretch/>
         </p:blipFill>
         <p:spPr>
@@ -6582,7 +6602,288 @@
 </file>
 
 <file path=ppt/theme/theme1.xml><?xml version="1.0" encoding="utf-8"?>
-<a:theme xmlns:a="http://schemas.openxmlformats.org/drawingml/2006/main" xmlns:r="http://schemas.openxmlformats.org/officeDocument/2006/relationships">
+<a:theme xmlns:a="http://schemas.openxmlformats.org/drawingml/2006/main" name="Simple Light">
+  <a:themeElements>
+    <a:clrScheme name="Simple Light">
+      <a:dk1>
+        <a:srgbClr val="000000"/>
+      </a:dk1>
+      <a:lt1>
+        <a:srgbClr val="FFFFFF"/>
+      </a:lt1>
+      <a:dk2>
+        <a:srgbClr val="595959"/>
+      </a:dk2>
+      <a:lt2>
+        <a:srgbClr val="EEEEEE"/>
+      </a:lt2>
+      <a:accent1>
+        <a:srgbClr val="FFAB40"/>
+      </a:accent1>
+      <a:accent2>
+        <a:srgbClr val="212121"/>
+      </a:accent2>
+      <a:accent3>
+        <a:srgbClr val="78909C"/>
+      </a:accent3>
+      <a:accent4>
+        <a:srgbClr val="FFAB40"/>
+      </a:accent4>
+      <a:accent5>
+        <a:srgbClr val="0097A7"/>
+      </a:accent5>
+      <a:accent6>
+        <a:srgbClr val="EEFF41"/>
+      </a:accent6>
+      <a:hlink>
+        <a:srgbClr val="0097A7"/>
+      </a:hlink>
+      <a:folHlink>
+        <a:srgbClr val="0097A7"/>
+      </a:folHlink>
+    </a:clrScheme>
+    <a:fontScheme name="Office">
+      <a:majorFont>
+        <a:latin typeface="Arial"/>
+        <a:ea typeface=""/>
+        <a:cs typeface=""/>
+        <a:font script="Jpan" typeface="ＭＳ Ｐゴシック"/>
+        <a:font script="Hang" typeface="맑은 고딕"/>
+        <a:font script="Hans" typeface="宋体"/>
+        <a:font script="Hant" typeface="新細明體"/>
+        <a:font script="Arab" typeface="Times New Roman"/>
+        <a:font script="Hebr" typeface="Times New Roman"/>
+        <a:font script="Thai" typeface="Angsana New"/>
+        <a:font script="Ethi" typeface="Nyala"/>
+        <a:font script="Beng" typeface="Vrinda"/>
+        <a:font script="Gujr" typeface="Shruti"/>
+        <a:font script="Khmr" typeface="MoolBoran"/>
+        <a:font script="Knda" typeface="Tunga"/>
+        <a:font script="Guru" typeface="Raavi"/>
+        <a:font script="Cans" typeface="Euphemia"/>
+        <a:font script="Cher" typeface="Plantagenet Cherokee"/>
+        <a:font script="Yiii" typeface="Microsoft Yi Baiti"/>
+        <a:font script="Tibt" typeface="Microsoft Himalaya"/>
+        <a:font script="Thaa" typeface="MV Boli"/>
+        <a:font script="Deva" typeface="Mangal"/>
+        <a:font script="Telu" typeface="Gautami"/>
+        <a:font script="Taml" typeface="Latha"/>
+        <a:font script="Syrc" typeface="Estrangelo Edessa"/>
+        <a:font script="Orya" typeface="Kalinga"/>
+        <a:font script="Mlym" typeface="Kartika"/>
+        <a:font script="Laoo" typeface="DokChampa"/>
+        <a:font script="Sinh" typeface="Iskoola Pota"/>
+        <a:font script="Mong" typeface="Mongolian Baiti"/>
+        <a:font script="Viet" typeface="Times New Roman"/>
+        <a:font script="Uigh" typeface="Microsoft Uighur"/>
+        <a:font script="Geor" typeface="Sylfaen"/>
+      </a:majorFont>
+      <a:minorFont>
+        <a:latin typeface="Arial"/>
+        <a:ea typeface=""/>
+        <a:cs typeface=""/>
+        <a:font script="Jpan" typeface="ＭＳ Ｐゴシック"/>
+        <a:font script="Hang" typeface="맑은 고딕"/>
+        <a:font script="Hans" typeface="宋体"/>
+        <a:font script="Hant" typeface="新細明體"/>
+        <a:font script="Arab" typeface="Arial"/>
+        <a:font script="Hebr" typeface="Arial"/>
+        <a:font script="Thai" typeface="Cordia New"/>
+        <a:font script="Ethi" typeface="Nyala"/>
+        <a:font script="Beng" typeface="Vrinda"/>
+        <a:font script="Gujr" typeface="Shruti"/>
+        <a:font script="Khmr" typeface="DaunPenh"/>
+        <a:font script="Knda" typeface="Tunga"/>
+        <a:font script="Guru" typeface="Raavi"/>
+        <a:font script="Cans" typeface="Euphemia"/>
+        <a:font script="Cher" typeface="Plantagenet Cherokee"/>
+        <a:font script="Yiii" typeface="Microsoft Yi Baiti"/>
+        <a:font script="Tibt" typeface="Microsoft Himalaya"/>
+        <a:font script="Thaa" typeface="MV Boli"/>
+        <a:font script="Deva" typeface="Mangal"/>
+        <a:font script="Telu" typeface="Gautami"/>
+        <a:font script="Taml" typeface="Latha"/>
+        <a:font script="Syrc" typeface="Estrangelo Edessa"/>
+        <a:font script="Orya" typeface="Kalinga"/>
+        <a:font script="Mlym" typeface="Kartika"/>
+        <a:font script="Laoo" typeface="DokChampa"/>
+        <a:font script="Sinh" typeface="Iskoola Pota"/>
+        <a:font script="Mong" typeface="Mongolian Baiti"/>
+        <a:font script="Viet" typeface="Arial"/>
+        <a:font script="Uigh" typeface="Microsoft Uighur"/>
+        <a:font script="Geor" typeface="Sylfaen"/>
+      </a:minorFont>
+    </a:fontScheme>
+    <a:fmtScheme name="Office">
+      <a:fillStyleLst>
+        <a:solidFill>
+          <a:schemeClr val="phClr"/>
+        </a:solidFill>
+        <a:gradFill rotWithShape="1">
+          <a:gsLst>
+            <a:gs pos="0">
+              <a:schemeClr val="phClr">
+                <a:tint val="50000"/>
+                <a:satMod val="300000"/>
+              </a:schemeClr>
+            </a:gs>
+            <a:gs pos="35000">
+              <a:schemeClr val="phClr">
+                <a:tint val="37000"/>
+                <a:satMod val="300000"/>
+              </a:schemeClr>
+            </a:gs>
+            <a:gs pos="100000">
+              <a:schemeClr val="phClr">
+                <a:tint val="15000"/>
+                <a:satMod val="350000"/>
+              </a:schemeClr>
+            </a:gs>
+          </a:gsLst>
+          <a:lin ang="16200000" scaled="1"/>
+        </a:gradFill>
+        <a:gradFill rotWithShape="1">
+          <a:gsLst>
+            <a:gs pos="0">
+              <a:schemeClr val="phClr">
+                <a:tint val="100000"/>
+                <a:shade val="100000"/>
+                <a:satMod val="130000"/>
+              </a:schemeClr>
+            </a:gs>
+            <a:gs pos="100000">
+              <a:schemeClr val="phClr">
+                <a:tint val="50000"/>
+                <a:shade val="100000"/>
+                <a:satMod val="350000"/>
+              </a:schemeClr>
+            </a:gs>
+          </a:gsLst>
+          <a:lin ang="16200000" scaled="0"/>
+        </a:gradFill>
+      </a:fillStyleLst>
+      <a:lnStyleLst>
+        <a:ln w="9525" cap="flat" cmpd="sng" algn="ctr">
+          <a:solidFill>
+            <a:schemeClr val="phClr">
+              <a:shade val="95000"/>
+              <a:satMod val="105000"/>
+            </a:schemeClr>
+          </a:solidFill>
+          <a:prstDash val="solid"/>
+        </a:ln>
+        <a:ln w="25400" cap="flat" cmpd="sng" algn="ctr">
+          <a:solidFill>
+            <a:schemeClr val="phClr"/>
+          </a:solidFill>
+          <a:prstDash val="solid"/>
+        </a:ln>
+        <a:ln w="38100" cap="flat" cmpd="sng" algn="ctr">
+          <a:solidFill>
+            <a:schemeClr val="phClr"/>
+          </a:solidFill>
+          <a:prstDash val="solid"/>
+        </a:ln>
+      </a:lnStyleLst>
+      <a:effectStyleLst>
+        <a:effectStyle>
+          <a:effectLst>
+            <a:outerShdw blurRad="40000" dist="20000" dir="5400000" rotWithShape="0">
+              <a:srgbClr val="000000">
+                <a:alpha val="38000"/>
+              </a:srgbClr>
+            </a:outerShdw>
+          </a:effectLst>
+        </a:effectStyle>
+        <a:effectStyle>
+          <a:effectLst>
+            <a:outerShdw blurRad="40000" dist="23000" dir="5400000" rotWithShape="0">
+              <a:srgbClr val="000000">
+                <a:alpha val="35000"/>
+              </a:srgbClr>
+            </a:outerShdw>
+          </a:effectLst>
+        </a:effectStyle>
+        <a:effectStyle>
+          <a:effectLst>
+            <a:outerShdw blurRad="40000" dist="23000" dir="5400000" rotWithShape="0">
+              <a:srgbClr val="000000">
+                <a:alpha val="35000"/>
+              </a:srgbClr>
+            </a:outerShdw>
+          </a:effectLst>
+          <a:scene3d>
+            <a:camera prst="orthographicFront">
+              <a:rot lat="0" lon="0" rev="0"/>
+            </a:camera>
+            <a:lightRig rig="threePt" dir="t">
+              <a:rot lat="0" lon="0" rev="1200000"/>
+            </a:lightRig>
+          </a:scene3d>
+          <a:sp3d>
+            <a:bevelT w="63500" h="25400"/>
+          </a:sp3d>
+        </a:effectStyle>
+      </a:effectStyleLst>
+      <a:bgFillStyleLst>
+        <a:solidFill>
+          <a:schemeClr val="phClr"/>
+        </a:solidFill>
+        <a:gradFill rotWithShape="1">
+          <a:gsLst>
+            <a:gs pos="0">
+              <a:schemeClr val="phClr">
+                <a:tint val="40000"/>
+                <a:satMod val="350000"/>
+              </a:schemeClr>
+            </a:gs>
+            <a:gs pos="40000">
+              <a:schemeClr val="phClr">
+                <a:tint val="45000"/>
+                <a:shade val="99000"/>
+                <a:satMod val="350000"/>
+              </a:schemeClr>
+            </a:gs>
+            <a:gs pos="100000">
+              <a:schemeClr val="phClr">
+                <a:shade val="20000"/>
+                <a:satMod val="255000"/>
+              </a:schemeClr>
+            </a:gs>
+          </a:gsLst>
+          <a:path path="circle">
+            <a:fillToRect l="50000" t="-80000" r="50000" b="180000"/>
+          </a:path>
+        </a:gradFill>
+        <a:gradFill rotWithShape="1">
+          <a:gsLst>
+            <a:gs pos="0">
+              <a:schemeClr val="phClr">
+                <a:tint val="80000"/>
+                <a:satMod val="300000"/>
+              </a:schemeClr>
+            </a:gs>
+            <a:gs pos="100000">
+              <a:schemeClr val="phClr">
+                <a:shade val="30000"/>
+                <a:satMod val="200000"/>
+              </a:schemeClr>
+            </a:gs>
+          </a:gsLst>
+          <a:path path="circle">
+            <a:fillToRect l="50000" t="50000" r="50000" b="50000"/>
+          </a:path>
+        </a:gradFill>
+      </a:bgFillStyleLst>
+    </a:fmtScheme>
+  </a:themeElements>
+  <a:objectDefaults/>
+  <a:extraClrSchemeLst/>
+</a:theme>
+</file>
+
+<file path=ppt/theme/theme2.xml><?xml version="1.0" encoding="utf-8"?>
+<a:theme xmlns:a="http://schemas.openxmlformats.org/drawingml/2006/main">
   <a:themeElements>
     <a:clrScheme name="Default">
       <a:dk1>
@@ -6857,284 +7158,7 @@
       </a:bgFillStyleLst>
     </a:fmtScheme>
   </a:themeElements>
-</a:theme>
-</file>
-
-<file path=ppt/theme/theme2.xml><?xml version="1.0" encoding="utf-8"?>
-<a:theme xmlns:a="http://schemas.openxmlformats.org/drawingml/2006/main" xmlns:r="http://schemas.openxmlformats.org/officeDocument/2006/relationships" name="Simple Light">
-  <a:themeElements>
-    <a:clrScheme name="Simple Light">
-      <a:dk1>
-        <a:srgbClr val="000000"/>
-      </a:dk1>
-      <a:lt1>
-        <a:srgbClr val="FFFFFF"/>
-      </a:lt1>
-      <a:dk2>
-        <a:srgbClr val="595959"/>
-      </a:dk2>
-      <a:lt2>
-        <a:srgbClr val="EEEEEE"/>
-      </a:lt2>
-      <a:accent1>
-        <a:srgbClr val="FFAB40"/>
-      </a:accent1>
-      <a:accent2>
-        <a:srgbClr val="212121"/>
-      </a:accent2>
-      <a:accent3>
-        <a:srgbClr val="78909C"/>
-      </a:accent3>
-      <a:accent4>
-        <a:srgbClr val="FFAB40"/>
-      </a:accent4>
-      <a:accent5>
-        <a:srgbClr val="0097A7"/>
-      </a:accent5>
-      <a:accent6>
-        <a:srgbClr val="EEFF41"/>
-      </a:accent6>
-      <a:hlink>
-        <a:srgbClr val="0097A7"/>
-      </a:hlink>
-      <a:folHlink>
-        <a:srgbClr val="0097A7"/>
-      </a:folHlink>
-    </a:clrScheme>
-    <a:fontScheme name="Office">
-      <a:majorFont>
-        <a:latin typeface="Arial"/>
-        <a:ea typeface=""/>
-        <a:cs typeface=""/>
-        <a:font script="Jpan" typeface="ＭＳ Ｐゴシック"/>
-        <a:font script="Hang" typeface="맑은 고딕"/>
-        <a:font script="Hans" typeface="宋体"/>
-        <a:font script="Hant" typeface="新細明體"/>
-        <a:font script="Arab" typeface="Times New Roman"/>
-        <a:font script="Hebr" typeface="Times New Roman"/>
-        <a:font script="Thai" typeface="Angsana New"/>
-        <a:font script="Ethi" typeface="Nyala"/>
-        <a:font script="Beng" typeface="Vrinda"/>
-        <a:font script="Gujr" typeface="Shruti"/>
-        <a:font script="Khmr" typeface="MoolBoran"/>
-        <a:font script="Knda" typeface="Tunga"/>
-        <a:font script="Guru" typeface="Raavi"/>
-        <a:font script="Cans" typeface="Euphemia"/>
-        <a:font script="Cher" typeface="Plantagenet Cherokee"/>
-        <a:font script="Yiii" typeface="Microsoft Yi Baiti"/>
-        <a:font script="Tibt" typeface="Microsoft Himalaya"/>
-        <a:font script="Thaa" typeface="MV Boli"/>
-        <a:font script="Deva" typeface="Mangal"/>
-        <a:font script="Telu" typeface="Gautami"/>
-        <a:font script="Taml" typeface="Latha"/>
-        <a:font script="Syrc" typeface="Estrangelo Edessa"/>
-        <a:font script="Orya" typeface="Kalinga"/>
-        <a:font script="Mlym" typeface="Kartika"/>
-        <a:font script="Laoo" typeface="DokChampa"/>
-        <a:font script="Sinh" typeface="Iskoola Pota"/>
-        <a:font script="Mong" typeface="Mongolian Baiti"/>
-        <a:font script="Viet" typeface="Times New Roman"/>
-        <a:font script="Uigh" typeface="Microsoft Uighur"/>
-        <a:font script="Geor" typeface="Sylfaen"/>
-      </a:majorFont>
-      <a:minorFont>
-        <a:latin typeface="Arial"/>
-        <a:ea typeface=""/>
-        <a:cs typeface=""/>
-        <a:font script="Jpan" typeface="ＭＳ Ｐゴシック"/>
-        <a:font script="Hang" typeface="맑은 고딕"/>
-        <a:font script="Hans" typeface="宋体"/>
-        <a:font script="Hant" typeface="新細明體"/>
-        <a:font script="Arab" typeface="Arial"/>
-        <a:font script="Hebr" typeface="Arial"/>
-        <a:font script="Thai" typeface="Cordia New"/>
-        <a:font script="Ethi" typeface="Nyala"/>
-        <a:font script="Beng" typeface="Vrinda"/>
-        <a:font script="Gujr" typeface="Shruti"/>
-        <a:font script="Khmr" typeface="DaunPenh"/>
-        <a:font script="Knda" typeface="Tunga"/>
-        <a:font script="Guru" typeface="Raavi"/>
-        <a:font script="Cans" typeface="Euphemia"/>
-        <a:font script="Cher" typeface="Plantagenet Cherokee"/>
-        <a:font script="Yiii" typeface="Microsoft Yi Baiti"/>
-        <a:font script="Tibt" typeface="Microsoft Himalaya"/>
-        <a:font script="Thaa" typeface="MV Boli"/>
-        <a:font script="Deva" typeface="Mangal"/>
-        <a:font script="Telu" typeface="Gautami"/>
-        <a:font script="Taml" typeface="Latha"/>
-        <a:font script="Syrc" typeface="Estrangelo Edessa"/>
-        <a:font script="Orya" typeface="Kalinga"/>
-        <a:font script="Mlym" typeface="Kartika"/>
-        <a:font script="Laoo" typeface="DokChampa"/>
-        <a:font script="Sinh" typeface="Iskoola Pota"/>
-        <a:font script="Mong" typeface="Mongolian Baiti"/>
-        <a:font script="Viet" typeface="Arial"/>
-        <a:font script="Uigh" typeface="Microsoft Uighur"/>
-        <a:font script="Geor" typeface="Sylfaen"/>
-      </a:minorFont>
-    </a:fontScheme>
-    <a:fmtScheme name="Office">
-      <a:fillStyleLst>
-        <a:solidFill>
-          <a:schemeClr val="phClr"/>
-        </a:solidFill>
-        <a:gradFill rotWithShape="1">
-          <a:gsLst>
-            <a:gs pos="0">
-              <a:schemeClr val="phClr">
-                <a:tint val="50000"/>
-                <a:satMod val="300000"/>
-              </a:schemeClr>
-            </a:gs>
-            <a:gs pos="35000">
-              <a:schemeClr val="phClr">
-                <a:tint val="37000"/>
-                <a:satMod val="300000"/>
-              </a:schemeClr>
-            </a:gs>
-            <a:gs pos="100000">
-              <a:schemeClr val="phClr">
-                <a:tint val="15000"/>
-                <a:satMod val="350000"/>
-              </a:schemeClr>
-            </a:gs>
-          </a:gsLst>
-          <a:lin ang="16200000" scaled="1"/>
-        </a:gradFill>
-        <a:gradFill rotWithShape="1">
-          <a:gsLst>
-            <a:gs pos="0">
-              <a:schemeClr val="phClr">
-                <a:tint val="100000"/>
-                <a:shade val="100000"/>
-                <a:satMod val="130000"/>
-              </a:schemeClr>
-            </a:gs>
-            <a:gs pos="100000">
-              <a:schemeClr val="phClr">
-                <a:tint val="50000"/>
-                <a:shade val="100000"/>
-                <a:satMod val="350000"/>
-              </a:schemeClr>
-            </a:gs>
-          </a:gsLst>
-          <a:lin ang="16200000" scaled="0"/>
-        </a:gradFill>
-      </a:fillStyleLst>
-      <a:lnStyleLst>
-        <a:ln w="9525" cap="flat" cmpd="sng" algn="ctr">
-          <a:solidFill>
-            <a:schemeClr val="phClr">
-              <a:shade val="95000"/>
-              <a:satMod val="105000"/>
-            </a:schemeClr>
-          </a:solidFill>
-          <a:prstDash val="solid"/>
-        </a:ln>
-        <a:ln w="25400" cap="flat" cmpd="sng" algn="ctr">
-          <a:solidFill>
-            <a:schemeClr val="phClr"/>
-          </a:solidFill>
-          <a:prstDash val="solid"/>
-        </a:ln>
-        <a:ln w="38100" cap="flat" cmpd="sng" algn="ctr">
-          <a:solidFill>
-            <a:schemeClr val="phClr"/>
-          </a:solidFill>
-          <a:prstDash val="solid"/>
-        </a:ln>
-      </a:lnStyleLst>
-      <a:effectStyleLst>
-        <a:effectStyle>
-          <a:effectLst>
-            <a:outerShdw blurRad="40000" dist="20000" dir="5400000" rotWithShape="0">
-              <a:srgbClr val="000000">
-                <a:alpha val="38000"/>
-              </a:srgbClr>
-            </a:outerShdw>
-          </a:effectLst>
-        </a:effectStyle>
-        <a:effectStyle>
-          <a:effectLst>
-            <a:outerShdw blurRad="40000" dist="23000" dir="5400000" rotWithShape="0">
-              <a:srgbClr val="000000">
-                <a:alpha val="35000"/>
-              </a:srgbClr>
-            </a:outerShdw>
-          </a:effectLst>
-        </a:effectStyle>
-        <a:effectStyle>
-          <a:effectLst>
-            <a:outerShdw blurRad="40000" dist="23000" dir="5400000" rotWithShape="0">
-              <a:srgbClr val="000000">
-                <a:alpha val="35000"/>
-              </a:srgbClr>
-            </a:outerShdw>
-          </a:effectLst>
-          <a:scene3d>
-            <a:camera prst="orthographicFront">
-              <a:rot lat="0" lon="0" rev="0"/>
-            </a:camera>
-            <a:lightRig rig="threePt" dir="t">
-              <a:rot lat="0" lon="0" rev="1200000"/>
-            </a:lightRig>
-          </a:scene3d>
-          <a:sp3d>
-            <a:bevelT w="63500" h="25400"/>
-          </a:sp3d>
-        </a:effectStyle>
-      </a:effectStyleLst>
-      <a:bgFillStyleLst>
-        <a:solidFill>
-          <a:schemeClr val="phClr"/>
-        </a:solidFill>
-        <a:gradFill rotWithShape="1">
-          <a:gsLst>
-            <a:gs pos="0">
-              <a:schemeClr val="phClr">
-                <a:tint val="40000"/>
-                <a:satMod val="350000"/>
-              </a:schemeClr>
-            </a:gs>
-            <a:gs pos="40000">
-              <a:schemeClr val="phClr">
-                <a:tint val="45000"/>
-                <a:shade val="99000"/>
-                <a:satMod val="350000"/>
-              </a:schemeClr>
-            </a:gs>
-            <a:gs pos="100000">
-              <a:schemeClr val="phClr">
-                <a:shade val="20000"/>
-                <a:satMod val="255000"/>
-              </a:schemeClr>
-            </a:gs>
-          </a:gsLst>
-          <a:path path="circle">
-            <a:fillToRect l="50000" t="-80000" r="50000" b="180000"/>
-          </a:path>
-        </a:gradFill>
-        <a:gradFill rotWithShape="1">
-          <a:gsLst>
-            <a:gs pos="0">
-              <a:schemeClr val="phClr">
-                <a:tint val="80000"/>
-                <a:satMod val="300000"/>
-              </a:schemeClr>
-            </a:gs>
-            <a:gs pos="100000">
-              <a:schemeClr val="phClr">
-                <a:shade val="30000"/>
-                <a:satMod val="200000"/>
-              </a:schemeClr>
-            </a:gs>
-          </a:gsLst>
-          <a:path path="circle">
-            <a:fillToRect l="50000" t="50000" r="50000" b="50000"/>
-          </a:path>
-        </a:gradFill>
-      </a:bgFillStyleLst>
-    </a:fmtScheme>
-  </a:themeElements>
+  <a:objectDefaults/>
+  <a:extraClrSchemeLst/>
 </a:theme>
 </file>